--- a/PPT/Class period 11.pptx
+++ b/PPT/Class period 11.pptx
@@ -203,9 +203,9 @@
             </a:lvl1pPr>
           </a:lstStyle>
           <a:p>
-            <a:fld id="{D5B7644B-609C-4B0B-B4BE-D755D00E738B}" type="datetimeFigureOut">
+            <a:fld id="{D3881DA6-F439-46E2-9D0F-14F232E6BA82}" type="datetimeFigureOut">
               <a:rPr lang="en-US" smtClean="0"/>
-              <a:t>4/20/2024</a:t>
+              <a:t>5/15/2024</a:t>
             </a:fld>
             <a:endParaRPr lang="en-US"/>
           </a:p>
@@ -361,7 +361,7 @@
             </a:lvl1pPr>
           </a:lstStyle>
           <a:p>
-            <a:fld id="{3AB98391-0830-4000-9C18-F21BC92C3316}" type="slidenum">
+            <a:fld id="{35B551E0-4A8F-4172-852E-0DB53BF94C23}" type="slidenum">
               <a:rPr lang="en-US" smtClean="0"/>
               <a:t>‹#›</a:t>
             </a:fld>
@@ -372,7 +372,7 @@
     </p:spTree>
     <p:extLst>
       <p:ext uri="{BB962C8B-B14F-4D97-AF65-F5344CB8AC3E}">
-        <p14:creationId xmlns:p14="http://schemas.microsoft.com/office/powerpoint/2010/main" val="741113864"/>
+        <p14:creationId xmlns:p14="http://schemas.microsoft.com/office/powerpoint/2010/main" val="3082335735"/>
       </p:ext>
     </p:extLst>
   </p:cSld>
@@ -746,7 +746,7 @@
           <p:cNvPr id="2" name="Title 1">
             <a:extLst>
               <a:ext uri="{FF2B5EF4-FFF2-40B4-BE49-F238E27FC236}">
-                <a16:creationId xmlns:a16="http://schemas.microsoft.com/office/drawing/2014/main" id="{6C737E49-8831-AE6B-7546-96C8CC05760A}"/>
+                <a16:creationId xmlns:a16="http://schemas.microsoft.com/office/drawing/2014/main" id="{066C66D9-3C17-CA28-5A39-27208222BE7E}"/>
               </a:ext>
             </a:extLst>
           </p:cNvPr>
@@ -783,7 +783,7 @@
           <p:cNvPr id="3" name="Subtitle 2">
             <a:extLst>
               <a:ext uri="{FF2B5EF4-FFF2-40B4-BE49-F238E27FC236}">
-                <a16:creationId xmlns:a16="http://schemas.microsoft.com/office/drawing/2014/main" id="{B2A63472-8333-ECBA-FF18-07F61B4C541A}"/>
+                <a16:creationId xmlns:a16="http://schemas.microsoft.com/office/drawing/2014/main" id="{3B574A75-03CC-DB59-63BB-907BA8C6E893}"/>
               </a:ext>
             </a:extLst>
           </p:cNvPr>
@@ -853,7 +853,7 @@
           <p:cNvPr id="4" name="Date Placeholder 3">
             <a:extLst>
               <a:ext uri="{FF2B5EF4-FFF2-40B4-BE49-F238E27FC236}">
-                <a16:creationId xmlns:a16="http://schemas.microsoft.com/office/drawing/2014/main" id="{37396397-5687-2BC4-2E2C-2D3F5CAB967F}"/>
+                <a16:creationId xmlns:a16="http://schemas.microsoft.com/office/drawing/2014/main" id="{24804C19-9EAF-2059-3F6B-ECD221E2A634}"/>
               </a:ext>
             </a:extLst>
           </p:cNvPr>
@@ -869,9 +869,9 @@
           <a:bodyPr/>
           <a:lstStyle/>
           <a:p>
-            <a:fld id="{4199E21B-4CC7-460A-90B1-35D2143FC871}" type="datetimeFigureOut">
+            <a:fld id="{6B2FD0BA-6F8B-41A4-9567-C00D999E1E0D}" type="datetimeFigureOut">
               <a:rPr lang="en-US" smtClean="0"/>
-              <a:t>4/20/2024</a:t>
+              <a:t>5/15/2024</a:t>
             </a:fld>
             <a:endParaRPr lang="en-US"/>
           </a:p>
@@ -882,7 +882,7 @@
           <p:cNvPr id="5" name="Footer Placeholder 4">
             <a:extLst>
               <a:ext uri="{FF2B5EF4-FFF2-40B4-BE49-F238E27FC236}">
-                <a16:creationId xmlns:a16="http://schemas.microsoft.com/office/drawing/2014/main" id="{0EE48729-06CF-E838-5C25-9277ACEAB7FC}"/>
+                <a16:creationId xmlns:a16="http://schemas.microsoft.com/office/drawing/2014/main" id="{5339C31B-ED7D-080F-F480-010F458357C5}"/>
               </a:ext>
             </a:extLst>
           </p:cNvPr>
@@ -907,7 +907,7 @@
           <p:cNvPr id="6" name="Slide Number Placeholder 5">
             <a:extLst>
               <a:ext uri="{FF2B5EF4-FFF2-40B4-BE49-F238E27FC236}">
-                <a16:creationId xmlns:a16="http://schemas.microsoft.com/office/drawing/2014/main" id="{A1376399-8CAA-7F30-2CF5-C1C32F3879A1}"/>
+                <a16:creationId xmlns:a16="http://schemas.microsoft.com/office/drawing/2014/main" id="{59E08C22-09FC-30BA-1C51-A6F56A319AB8}"/>
               </a:ext>
             </a:extLst>
           </p:cNvPr>
@@ -923,7 +923,7 @@
           <a:bodyPr/>
           <a:lstStyle/>
           <a:p>
-            <a:fld id="{B5FDE367-3BA7-4E8C-9151-2BAD4B7C0002}" type="slidenum">
+            <a:fld id="{40799C42-874D-4A89-B4A7-9D36783BEBE8}" type="slidenum">
               <a:rPr lang="en-US" smtClean="0"/>
               <a:t>‹#›</a:t>
             </a:fld>
@@ -934,7 +934,7 @@
     </p:spTree>
     <p:extLst>
       <p:ext uri="{BB962C8B-B14F-4D97-AF65-F5344CB8AC3E}">
-        <p14:creationId xmlns:p14="http://schemas.microsoft.com/office/powerpoint/2010/main" val="3218425896"/>
+        <p14:creationId xmlns:p14="http://schemas.microsoft.com/office/powerpoint/2010/main" val="2117097665"/>
       </p:ext>
     </p:extLst>
   </p:cSld>
@@ -966,7 +966,7 @@
           <p:cNvPr id="2" name="Title 1">
             <a:extLst>
               <a:ext uri="{FF2B5EF4-FFF2-40B4-BE49-F238E27FC236}">
-                <a16:creationId xmlns:a16="http://schemas.microsoft.com/office/drawing/2014/main" id="{D9F1AE23-8437-A3A0-AC8F-17C44A86E591}"/>
+                <a16:creationId xmlns:a16="http://schemas.microsoft.com/office/drawing/2014/main" id="{FD33AB59-A6BF-A98C-7298-7881E7F53541}"/>
               </a:ext>
             </a:extLst>
           </p:cNvPr>
@@ -994,7 +994,7 @@
           <p:cNvPr id="3" name="Vertical Text Placeholder 2">
             <a:extLst>
               <a:ext uri="{FF2B5EF4-FFF2-40B4-BE49-F238E27FC236}">
-                <a16:creationId xmlns:a16="http://schemas.microsoft.com/office/drawing/2014/main" id="{99663440-C653-CE1B-CE36-258F293FA823}"/>
+                <a16:creationId xmlns:a16="http://schemas.microsoft.com/office/drawing/2014/main" id="{148F2320-0576-ED02-9B46-99A88C71B50E}"/>
               </a:ext>
             </a:extLst>
           </p:cNvPr>
@@ -1051,7 +1051,7 @@
           <p:cNvPr id="4" name="Date Placeholder 3">
             <a:extLst>
               <a:ext uri="{FF2B5EF4-FFF2-40B4-BE49-F238E27FC236}">
-                <a16:creationId xmlns:a16="http://schemas.microsoft.com/office/drawing/2014/main" id="{9688B2E8-C626-3507-5F44-D9DC0ACAEA68}"/>
+                <a16:creationId xmlns:a16="http://schemas.microsoft.com/office/drawing/2014/main" id="{772AF5B5-C876-3CB2-0C2D-865F774BB5D2}"/>
               </a:ext>
             </a:extLst>
           </p:cNvPr>
@@ -1067,9 +1067,9 @@
           <a:bodyPr/>
           <a:lstStyle/>
           <a:p>
-            <a:fld id="{4199E21B-4CC7-460A-90B1-35D2143FC871}" type="datetimeFigureOut">
+            <a:fld id="{6B2FD0BA-6F8B-41A4-9567-C00D999E1E0D}" type="datetimeFigureOut">
               <a:rPr lang="en-US" smtClean="0"/>
-              <a:t>4/20/2024</a:t>
+              <a:t>5/15/2024</a:t>
             </a:fld>
             <a:endParaRPr lang="en-US"/>
           </a:p>
@@ -1080,7 +1080,7 @@
           <p:cNvPr id="5" name="Footer Placeholder 4">
             <a:extLst>
               <a:ext uri="{FF2B5EF4-FFF2-40B4-BE49-F238E27FC236}">
-                <a16:creationId xmlns:a16="http://schemas.microsoft.com/office/drawing/2014/main" id="{32A06C21-8ABB-BBB0-4B2A-1216377FA6BA}"/>
+                <a16:creationId xmlns:a16="http://schemas.microsoft.com/office/drawing/2014/main" id="{5D0E4BD0-EC47-38D4-1472-1379A94B473C}"/>
               </a:ext>
             </a:extLst>
           </p:cNvPr>
@@ -1105,7 +1105,7 @@
           <p:cNvPr id="6" name="Slide Number Placeholder 5">
             <a:extLst>
               <a:ext uri="{FF2B5EF4-FFF2-40B4-BE49-F238E27FC236}">
-                <a16:creationId xmlns:a16="http://schemas.microsoft.com/office/drawing/2014/main" id="{75AF2BA9-5DC3-28FC-7AB0-D388566E86DC}"/>
+                <a16:creationId xmlns:a16="http://schemas.microsoft.com/office/drawing/2014/main" id="{F969A973-64A2-48BD-E9BE-16ACF0B32DDA}"/>
               </a:ext>
             </a:extLst>
           </p:cNvPr>
@@ -1121,7 +1121,7 @@
           <a:bodyPr/>
           <a:lstStyle/>
           <a:p>
-            <a:fld id="{B5FDE367-3BA7-4E8C-9151-2BAD4B7C0002}" type="slidenum">
+            <a:fld id="{40799C42-874D-4A89-B4A7-9D36783BEBE8}" type="slidenum">
               <a:rPr lang="en-US" smtClean="0"/>
               <a:t>‹#›</a:t>
             </a:fld>
@@ -1132,7 +1132,7 @@
     </p:spTree>
     <p:extLst>
       <p:ext uri="{BB962C8B-B14F-4D97-AF65-F5344CB8AC3E}">
-        <p14:creationId xmlns:p14="http://schemas.microsoft.com/office/powerpoint/2010/main" val="1328844999"/>
+        <p14:creationId xmlns:p14="http://schemas.microsoft.com/office/powerpoint/2010/main" val="1706943119"/>
       </p:ext>
     </p:extLst>
   </p:cSld>
@@ -1164,7 +1164,7 @@
           <p:cNvPr id="2" name="Vertical Title 1">
             <a:extLst>
               <a:ext uri="{FF2B5EF4-FFF2-40B4-BE49-F238E27FC236}">
-                <a16:creationId xmlns:a16="http://schemas.microsoft.com/office/drawing/2014/main" id="{E637285D-4659-77F0-59A1-23E3495F83D9}"/>
+                <a16:creationId xmlns:a16="http://schemas.microsoft.com/office/drawing/2014/main" id="{7AF66DC1-C5D7-91DE-A662-1ECC00AE6569}"/>
               </a:ext>
             </a:extLst>
           </p:cNvPr>
@@ -1197,7 +1197,7 @@
           <p:cNvPr id="3" name="Vertical Text Placeholder 2">
             <a:extLst>
               <a:ext uri="{FF2B5EF4-FFF2-40B4-BE49-F238E27FC236}">
-                <a16:creationId xmlns:a16="http://schemas.microsoft.com/office/drawing/2014/main" id="{95366CBB-78A9-08D0-E4AE-3EB3EB6EBA0B}"/>
+                <a16:creationId xmlns:a16="http://schemas.microsoft.com/office/drawing/2014/main" id="{DD648135-1BAF-154D-07F6-C136C6066056}"/>
               </a:ext>
             </a:extLst>
           </p:cNvPr>
@@ -1259,7 +1259,7 @@
           <p:cNvPr id="4" name="Date Placeholder 3">
             <a:extLst>
               <a:ext uri="{FF2B5EF4-FFF2-40B4-BE49-F238E27FC236}">
-                <a16:creationId xmlns:a16="http://schemas.microsoft.com/office/drawing/2014/main" id="{D6FD1A8F-4751-B5EA-09C4-78ADF55C22E5}"/>
+                <a16:creationId xmlns:a16="http://schemas.microsoft.com/office/drawing/2014/main" id="{B6218B4F-4ABE-FB09-ED0E-9AE8B9913749}"/>
               </a:ext>
             </a:extLst>
           </p:cNvPr>
@@ -1275,9 +1275,9 @@
           <a:bodyPr/>
           <a:lstStyle/>
           <a:p>
-            <a:fld id="{4199E21B-4CC7-460A-90B1-35D2143FC871}" type="datetimeFigureOut">
+            <a:fld id="{6B2FD0BA-6F8B-41A4-9567-C00D999E1E0D}" type="datetimeFigureOut">
               <a:rPr lang="en-US" smtClean="0"/>
-              <a:t>4/20/2024</a:t>
+              <a:t>5/15/2024</a:t>
             </a:fld>
             <a:endParaRPr lang="en-US"/>
           </a:p>
@@ -1288,7 +1288,7 @@
           <p:cNvPr id="5" name="Footer Placeholder 4">
             <a:extLst>
               <a:ext uri="{FF2B5EF4-FFF2-40B4-BE49-F238E27FC236}">
-                <a16:creationId xmlns:a16="http://schemas.microsoft.com/office/drawing/2014/main" id="{6FD60695-98F4-49B4-5EBC-667039CF7907}"/>
+                <a16:creationId xmlns:a16="http://schemas.microsoft.com/office/drawing/2014/main" id="{71750B44-B663-F133-B8CD-4BDB200D5ED8}"/>
               </a:ext>
             </a:extLst>
           </p:cNvPr>
@@ -1313,7 +1313,7 @@
           <p:cNvPr id="6" name="Slide Number Placeholder 5">
             <a:extLst>
               <a:ext uri="{FF2B5EF4-FFF2-40B4-BE49-F238E27FC236}">
-                <a16:creationId xmlns:a16="http://schemas.microsoft.com/office/drawing/2014/main" id="{68295ACA-3B87-B2D6-8F1F-A6BA0D0FDE0F}"/>
+                <a16:creationId xmlns:a16="http://schemas.microsoft.com/office/drawing/2014/main" id="{76797DED-DED8-D64F-C95C-4F21E7A148E7}"/>
               </a:ext>
             </a:extLst>
           </p:cNvPr>
@@ -1329,7 +1329,7 @@
           <a:bodyPr/>
           <a:lstStyle/>
           <a:p>
-            <a:fld id="{B5FDE367-3BA7-4E8C-9151-2BAD4B7C0002}" type="slidenum">
+            <a:fld id="{40799C42-874D-4A89-B4A7-9D36783BEBE8}" type="slidenum">
               <a:rPr lang="en-US" smtClean="0"/>
               <a:t>‹#›</a:t>
             </a:fld>
@@ -1340,7 +1340,7 @@
     </p:spTree>
     <p:extLst>
       <p:ext uri="{BB962C8B-B14F-4D97-AF65-F5344CB8AC3E}">
-        <p14:creationId xmlns:p14="http://schemas.microsoft.com/office/powerpoint/2010/main" val="3158030811"/>
+        <p14:creationId xmlns:p14="http://schemas.microsoft.com/office/powerpoint/2010/main" val="1331478381"/>
       </p:ext>
     </p:extLst>
   </p:cSld>
@@ -1372,7 +1372,7 @@
           <p:cNvPr id="2" name="Title 1">
             <a:extLst>
               <a:ext uri="{FF2B5EF4-FFF2-40B4-BE49-F238E27FC236}">
-                <a16:creationId xmlns:a16="http://schemas.microsoft.com/office/drawing/2014/main" id="{FFAA2C65-3719-49DB-0EDC-85DB99E1F28E}"/>
+                <a16:creationId xmlns:a16="http://schemas.microsoft.com/office/drawing/2014/main" id="{D4167330-FAC7-FEAD-E94F-F1A7F5F07CE1}"/>
               </a:ext>
             </a:extLst>
           </p:cNvPr>
@@ -1400,7 +1400,7 @@
           <p:cNvPr id="3" name="Content Placeholder 2">
             <a:extLst>
               <a:ext uri="{FF2B5EF4-FFF2-40B4-BE49-F238E27FC236}">
-                <a16:creationId xmlns:a16="http://schemas.microsoft.com/office/drawing/2014/main" id="{A7ACDA87-9E77-FCF1-C239-FBA4154CA68B}"/>
+                <a16:creationId xmlns:a16="http://schemas.microsoft.com/office/drawing/2014/main" id="{AC050491-64BB-8806-A608-BB1E4B328D6B}"/>
               </a:ext>
             </a:extLst>
           </p:cNvPr>
@@ -1457,7 +1457,7 @@
           <p:cNvPr id="4" name="Date Placeholder 3">
             <a:extLst>
               <a:ext uri="{FF2B5EF4-FFF2-40B4-BE49-F238E27FC236}">
-                <a16:creationId xmlns:a16="http://schemas.microsoft.com/office/drawing/2014/main" id="{70CCDBE1-24B7-16EB-B161-5E53EE2E0A5E}"/>
+                <a16:creationId xmlns:a16="http://schemas.microsoft.com/office/drawing/2014/main" id="{A1CA0204-FBD9-5BB6-2672-B1214AAC8EE1}"/>
               </a:ext>
             </a:extLst>
           </p:cNvPr>
@@ -1473,9 +1473,9 @@
           <a:bodyPr/>
           <a:lstStyle/>
           <a:p>
-            <a:fld id="{4199E21B-4CC7-460A-90B1-35D2143FC871}" type="datetimeFigureOut">
+            <a:fld id="{6B2FD0BA-6F8B-41A4-9567-C00D999E1E0D}" type="datetimeFigureOut">
               <a:rPr lang="en-US" smtClean="0"/>
-              <a:t>4/20/2024</a:t>
+              <a:t>5/15/2024</a:t>
             </a:fld>
             <a:endParaRPr lang="en-US"/>
           </a:p>
@@ -1486,7 +1486,7 @@
           <p:cNvPr id="5" name="Footer Placeholder 4">
             <a:extLst>
               <a:ext uri="{FF2B5EF4-FFF2-40B4-BE49-F238E27FC236}">
-                <a16:creationId xmlns:a16="http://schemas.microsoft.com/office/drawing/2014/main" id="{D33CC6EA-998A-CEBF-E5A7-2269B8717D3C}"/>
+                <a16:creationId xmlns:a16="http://schemas.microsoft.com/office/drawing/2014/main" id="{CF547448-A499-2BD4-CB7F-22AAEF8CD219}"/>
               </a:ext>
             </a:extLst>
           </p:cNvPr>
@@ -1511,7 +1511,7 @@
           <p:cNvPr id="6" name="Slide Number Placeholder 5">
             <a:extLst>
               <a:ext uri="{FF2B5EF4-FFF2-40B4-BE49-F238E27FC236}">
-                <a16:creationId xmlns:a16="http://schemas.microsoft.com/office/drawing/2014/main" id="{88DD1116-E127-555C-486A-27FBD58AAEE1}"/>
+                <a16:creationId xmlns:a16="http://schemas.microsoft.com/office/drawing/2014/main" id="{CAEEA936-CE6A-AAF4-7553-CE229D0E242D}"/>
               </a:ext>
             </a:extLst>
           </p:cNvPr>
@@ -1527,7 +1527,7 @@
           <a:bodyPr/>
           <a:lstStyle/>
           <a:p>
-            <a:fld id="{B5FDE367-3BA7-4E8C-9151-2BAD4B7C0002}" type="slidenum">
+            <a:fld id="{40799C42-874D-4A89-B4A7-9D36783BEBE8}" type="slidenum">
               <a:rPr lang="en-US" smtClean="0"/>
               <a:t>‹#›</a:t>
             </a:fld>
@@ -1538,7 +1538,7 @@
     </p:spTree>
     <p:extLst>
       <p:ext uri="{BB962C8B-B14F-4D97-AF65-F5344CB8AC3E}">
-        <p14:creationId xmlns:p14="http://schemas.microsoft.com/office/powerpoint/2010/main" val="3189294294"/>
+        <p14:creationId xmlns:p14="http://schemas.microsoft.com/office/powerpoint/2010/main" val="1641138718"/>
       </p:ext>
     </p:extLst>
   </p:cSld>
@@ -1570,7 +1570,7 @@
           <p:cNvPr id="2" name="Title 1">
             <a:extLst>
               <a:ext uri="{FF2B5EF4-FFF2-40B4-BE49-F238E27FC236}">
-                <a16:creationId xmlns:a16="http://schemas.microsoft.com/office/drawing/2014/main" id="{A3FCD531-F28F-26E3-8CDF-2C43B4EACCCD}"/>
+                <a16:creationId xmlns:a16="http://schemas.microsoft.com/office/drawing/2014/main" id="{7B30BCC4-965F-205B-4CF9-46A1A68AA3CF}"/>
               </a:ext>
             </a:extLst>
           </p:cNvPr>
@@ -1607,7 +1607,7 @@
           <p:cNvPr id="3" name="Text Placeholder 2">
             <a:extLst>
               <a:ext uri="{FF2B5EF4-FFF2-40B4-BE49-F238E27FC236}">
-                <a16:creationId xmlns:a16="http://schemas.microsoft.com/office/drawing/2014/main" id="{DDB3A7BB-3A4D-52F8-3AF6-F0B4F29B013C}"/>
+                <a16:creationId xmlns:a16="http://schemas.microsoft.com/office/drawing/2014/main" id="{43554E25-6EDB-E6F9-0059-CD1400B82A9E}"/>
               </a:ext>
             </a:extLst>
           </p:cNvPr>
@@ -1732,7 +1732,7 @@
           <p:cNvPr id="4" name="Date Placeholder 3">
             <a:extLst>
               <a:ext uri="{FF2B5EF4-FFF2-40B4-BE49-F238E27FC236}">
-                <a16:creationId xmlns:a16="http://schemas.microsoft.com/office/drawing/2014/main" id="{AB5E16C5-FB40-AACC-6D67-7618D456EB62}"/>
+                <a16:creationId xmlns:a16="http://schemas.microsoft.com/office/drawing/2014/main" id="{7CB45386-4A35-19E0-0B63-4CB478B3CA85}"/>
               </a:ext>
             </a:extLst>
           </p:cNvPr>
@@ -1748,9 +1748,9 @@
           <a:bodyPr/>
           <a:lstStyle/>
           <a:p>
-            <a:fld id="{4199E21B-4CC7-460A-90B1-35D2143FC871}" type="datetimeFigureOut">
+            <a:fld id="{6B2FD0BA-6F8B-41A4-9567-C00D999E1E0D}" type="datetimeFigureOut">
               <a:rPr lang="en-US" smtClean="0"/>
-              <a:t>4/20/2024</a:t>
+              <a:t>5/15/2024</a:t>
             </a:fld>
             <a:endParaRPr lang="en-US"/>
           </a:p>
@@ -1761,7 +1761,7 @@
           <p:cNvPr id="5" name="Footer Placeholder 4">
             <a:extLst>
               <a:ext uri="{FF2B5EF4-FFF2-40B4-BE49-F238E27FC236}">
-                <a16:creationId xmlns:a16="http://schemas.microsoft.com/office/drawing/2014/main" id="{3D47D321-12E2-DB48-5209-D7090F0E4FFE}"/>
+                <a16:creationId xmlns:a16="http://schemas.microsoft.com/office/drawing/2014/main" id="{FC74C62D-9466-C6BD-864F-30D55FB5D7CF}"/>
               </a:ext>
             </a:extLst>
           </p:cNvPr>
@@ -1786,7 +1786,7 @@
           <p:cNvPr id="6" name="Slide Number Placeholder 5">
             <a:extLst>
               <a:ext uri="{FF2B5EF4-FFF2-40B4-BE49-F238E27FC236}">
-                <a16:creationId xmlns:a16="http://schemas.microsoft.com/office/drawing/2014/main" id="{18BAF6A8-555F-90C3-4D82-B4D6BEF3FCE4}"/>
+                <a16:creationId xmlns:a16="http://schemas.microsoft.com/office/drawing/2014/main" id="{61DE8410-5FB0-4D18-CC4B-5E6E9C073698}"/>
               </a:ext>
             </a:extLst>
           </p:cNvPr>
@@ -1802,7 +1802,7 @@
           <a:bodyPr/>
           <a:lstStyle/>
           <a:p>
-            <a:fld id="{B5FDE367-3BA7-4E8C-9151-2BAD4B7C0002}" type="slidenum">
+            <a:fld id="{40799C42-874D-4A89-B4A7-9D36783BEBE8}" type="slidenum">
               <a:rPr lang="en-US" smtClean="0"/>
               <a:t>‹#›</a:t>
             </a:fld>
@@ -1813,7 +1813,7 @@
     </p:spTree>
     <p:extLst>
       <p:ext uri="{BB962C8B-B14F-4D97-AF65-F5344CB8AC3E}">
-        <p14:creationId xmlns:p14="http://schemas.microsoft.com/office/powerpoint/2010/main" val="1908951617"/>
+        <p14:creationId xmlns:p14="http://schemas.microsoft.com/office/powerpoint/2010/main" val="2552136119"/>
       </p:ext>
     </p:extLst>
   </p:cSld>
@@ -1845,7 +1845,7 @@
           <p:cNvPr id="2" name="Title 1">
             <a:extLst>
               <a:ext uri="{FF2B5EF4-FFF2-40B4-BE49-F238E27FC236}">
-                <a16:creationId xmlns:a16="http://schemas.microsoft.com/office/drawing/2014/main" id="{1EED048C-BBAC-E289-499D-D10DD802CF03}"/>
+                <a16:creationId xmlns:a16="http://schemas.microsoft.com/office/drawing/2014/main" id="{42EA93BF-B85D-702F-397A-DBD8A283CFC5}"/>
               </a:ext>
             </a:extLst>
           </p:cNvPr>
@@ -1873,7 +1873,7 @@
           <p:cNvPr id="3" name="Content Placeholder 2">
             <a:extLst>
               <a:ext uri="{FF2B5EF4-FFF2-40B4-BE49-F238E27FC236}">
-                <a16:creationId xmlns:a16="http://schemas.microsoft.com/office/drawing/2014/main" id="{54667E34-4EC7-DF8D-5276-16E197B75CE3}"/>
+                <a16:creationId xmlns:a16="http://schemas.microsoft.com/office/drawing/2014/main" id="{E85E5504-6048-7E9E-1492-2BEEB36F95ED}"/>
               </a:ext>
             </a:extLst>
           </p:cNvPr>
@@ -1935,7 +1935,7 @@
           <p:cNvPr id="4" name="Content Placeholder 3">
             <a:extLst>
               <a:ext uri="{FF2B5EF4-FFF2-40B4-BE49-F238E27FC236}">
-                <a16:creationId xmlns:a16="http://schemas.microsoft.com/office/drawing/2014/main" id="{B6DE253B-6B93-F7C5-7E25-081792FC95D0}"/>
+                <a16:creationId xmlns:a16="http://schemas.microsoft.com/office/drawing/2014/main" id="{67DF2215-6129-6C3F-9156-6498F885D9E3}"/>
               </a:ext>
             </a:extLst>
           </p:cNvPr>
@@ -1997,7 +1997,7 @@
           <p:cNvPr id="5" name="Date Placeholder 4">
             <a:extLst>
               <a:ext uri="{FF2B5EF4-FFF2-40B4-BE49-F238E27FC236}">
-                <a16:creationId xmlns:a16="http://schemas.microsoft.com/office/drawing/2014/main" id="{AEB3019C-D6AA-E0E8-51EF-CC1462490C56}"/>
+                <a16:creationId xmlns:a16="http://schemas.microsoft.com/office/drawing/2014/main" id="{5EF31C2D-B236-5F7D-582D-D10EC802FA59}"/>
               </a:ext>
             </a:extLst>
           </p:cNvPr>
@@ -2013,9 +2013,9 @@
           <a:bodyPr/>
           <a:lstStyle/>
           <a:p>
-            <a:fld id="{4199E21B-4CC7-460A-90B1-35D2143FC871}" type="datetimeFigureOut">
+            <a:fld id="{6B2FD0BA-6F8B-41A4-9567-C00D999E1E0D}" type="datetimeFigureOut">
               <a:rPr lang="en-US" smtClean="0"/>
-              <a:t>4/20/2024</a:t>
+              <a:t>5/15/2024</a:t>
             </a:fld>
             <a:endParaRPr lang="en-US"/>
           </a:p>
@@ -2026,7 +2026,7 @@
           <p:cNvPr id="6" name="Footer Placeholder 5">
             <a:extLst>
               <a:ext uri="{FF2B5EF4-FFF2-40B4-BE49-F238E27FC236}">
-                <a16:creationId xmlns:a16="http://schemas.microsoft.com/office/drawing/2014/main" id="{17A6E128-4FF2-38F1-93D5-774AB58F0947}"/>
+                <a16:creationId xmlns:a16="http://schemas.microsoft.com/office/drawing/2014/main" id="{2405A166-4327-4EA6-5A2E-D820BB7E369C}"/>
               </a:ext>
             </a:extLst>
           </p:cNvPr>
@@ -2051,7 +2051,7 @@
           <p:cNvPr id="7" name="Slide Number Placeholder 6">
             <a:extLst>
               <a:ext uri="{FF2B5EF4-FFF2-40B4-BE49-F238E27FC236}">
-                <a16:creationId xmlns:a16="http://schemas.microsoft.com/office/drawing/2014/main" id="{C3E58509-9494-7F63-0497-B85FF989708F}"/>
+                <a16:creationId xmlns:a16="http://schemas.microsoft.com/office/drawing/2014/main" id="{952A336E-9F10-209B-795B-FFC1D85BA89A}"/>
               </a:ext>
             </a:extLst>
           </p:cNvPr>
@@ -2067,7 +2067,7 @@
           <a:bodyPr/>
           <a:lstStyle/>
           <a:p>
-            <a:fld id="{B5FDE367-3BA7-4E8C-9151-2BAD4B7C0002}" type="slidenum">
+            <a:fld id="{40799C42-874D-4A89-B4A7-9D36783BEBE8}" type="slidenum">
               <a:rPr lang="en-US" smtClean="0"/>
               <a:t>‹#›</a:t>
             </a:fld>
@@ -2078,7 +2078,7 @@
     </p:spTree>
     <p:extLst>
       <p:ext uri="{BB962C8B-B14F-4D97-AF65-F5344CB8AC3E}">
-        <p14:creationId xmlns:p14="http://schemas.microsoft.com/office/powerpoint/2010/main" val="1907220821"/>
+        <p14:creationId xmlns:p14="http://schemas.microsoft.com/office/powerpoint/2010/main" val="922531754"/>
       </p:ext>
     </p:extLst>
   </p:cSld>
@@ -2110,7 +2110,7 @@
           <p:cNvPr id="2" name="Title 1">
             <a:extLst>
               <a:ext uri="{FF2B5EF4-FFF2-40B4-BE49-F238E27FC236}">
-                <a16:creationId xmlns:a16="http://schemas.microsoft.com/office/drawing/2014/main" id="{F08916D9-9082-98B2-5B09-18170E0C5DF7}"/>
+                <a16:creationId xmlns:a16="http://schemas.microsoft.com/office/drawing/2014/main" id="{961EDE8C-56E2-BA8E-FD9C-9BE27D4365A8}"/>
               </a:ext>
             </a:extLst>
           </p:cNvPr>
@@ -2143,7 +2143,7 @@
           <p:cNvPr id="3" name="Text Placeholder 2">
             <a:extLst>
               <a:ext uri="{FF2B5EF4-FFF2-40B4-BE49-F238E27FC236}">
-                <a16:creationId xmlns:a16="http://schemas.microsoft.com/office/drawing/2014/main" id="{3F81F3C2-7AD1-32AD-47AE-43A4FA964109}"/>
+                <a16:creationId xmlns:a16="http://schemas.microsoft.com/office/drawing/2014/main" id="{2C8C30DF-455D-F2E9-ECD7-1055FE5D097F}"/>
               </a:ext>
             </a:extLst>
           </p:cNvPr>
@@ -2214,7 +2214,7 @@
           <p:cNvPr id="4" name="Content Placeholder 3">
             <a:extLst>
               <a:ext uri="{FF2B5EF4-FFF2-40B4-BE49-F238E27FC236}">
-                <a16:creationId xmlns:a16="http://schemas.microsoft.com/office/drawing/2014/main" id="{8983F448-A3C5-1E82-D85C-A49CD5B059FB}"/>
+                <a16:creationId xmlns:a16="http://schemas.microsoft.com/office/drawing/2014/main" id="{F4F9AE82-2A35-27B7-84E8-88DF394B3486}"/>
               </a:ext>
             </a:extLst>
           </p:cNvPr>
@@ -2276,7 +2276,7 @@
           <p:cNvPr id="5" name="Text Placeholder 4">
             <a:extLst>
               <a:ext uri="{FF2B5EF4-FFF2-40B4-BE49-F238E27FC236}">
-                <a16:creationId xmlns:a16="http://schemas.microsoft.com/office/drawing/2014/main" id="{90153E4C-795A-035C-6039-F7EB01A01D79}"/>
+                <a16:creationId xmlns:a16="http://schemas.microsoft.com/office/drawing/2014/main" id="{73C313F5-FB3B-806F-C76D-B895E1338BBF}"/>
               </a:ext>
             </a:extLst>
           </p:cNvPr>
@@ -2347,7 +2347,7 @@
           <p:cNvPr id="6" name="Content Placeholder 5">
             <a:extLst>
               <a:ext uri="{FF2B5EF4-FFF2-40B4-BE49-F238E27FC236}">
-                <a16:creationId xmlns:a16="http://schemas.microsoft.com/office/drawing/2014/main" id="{A82DC1BC-A691-ABBF-791B-9B0A293170A1}"/>
+                <a16:creationId xmlns:a16="http://schemas.microsoft.com/office/drawing/2014/main" id="{E27EF0B7-69AA-D2FA-AE60-7592FBC08D82}"/>
               </a:ext>
             </a:extLst>
           </p:cNvPr>
@@ -2409,7 +2409,7 @@
           <p:cNvPr id="7" name="Date Placeholder 6">
             <a:extLst>
               <a:ext uri="{FF2B5EF4-FFF2-40B4-BE49-F238E27FC236}">
-                <a16:creationId xmlns:a16="http://schemas.microsoft.com/office/drawing/2014/main" id="{A7573FC3-C876-D756-4245-F67F2B3EFE10}"/>
+                <a16:creationId xmlns:a16="http://schemas.microsoft.com/office/drawing/2014/main" id="{530B46D9-F59E-1BF0-0F7A-49F63917C1AA}"/>
               </a:ext>
             </a:extLst>
           </p:cNvPr>
@@ -2425,9 +2425,9 @@
           <a:bodyPr/>
           <a:lstStyle/>
           <a:p>
-            <a:fld id="{4199E21B-4CC7-460A-90B1-35D2143FC871}" type="datetimeFigureOut">
+            <a:fld id="{6B2FD0BA-6F8B-41A4-9567-C00D999E1E0D}" type="datetimeFigureOut">
               <a:rPr lang="en-US" smtClean="0"/>
-              <a:t>4/20/2024</a:t>
+              <a:t>5/15/2024</a:t>
             </a:fld>
             <a:endParaRPr lang="en-US"/>
           </a:p>
@@ -2438,7 +2438,7 @@
           <p:cNvPr id="8" name="Footer Placeholder 7">
             <a:extLst>
               <a:ext uri="{FF2B5EF4-FFF2-40B4-BE49-F238E27FC236}">
-                <a16:creationId xmlns:a16="http://schemas.microsoft.com/office/drawing/2014/main" id="{9CB924AF-7916-5E4D-70B8-49D62C5A3BE0}"/>
+                <a16:creationId xmlns:a16="http://schemas.microsoft.com/office/drawing/2014/main" id="{42A20E8B-F597-4438-0274-973676B24D6F}"/>
               </a:ext>
             </a:extLst>
           </p:cNvPr>
@@ -2463,7 +2463,7 @@
           <p:cNvPr id="9" name="Slide Number Placeholder 8">
             <a:extLst>
               <a:ext uri="{FF2B5EF4-FFF2-40B4-BE49-F238E27FC236}">
-                <a16:creationId xmlns:a16="http://schemas.microsoft.com/office/drawing/2014/main" id="{2C1145BA-A549-1A1C-E943-1A7491824E98}"/>
+                <a16:creationId xmlns:a16="http://schemas.microsoft.com/office/drawing/2014/main" id="{3C7FB847-C769-34D0-D95B-DEFFCC9589BF}"/>
               </a:ext>
             </a:extLst>
           </p:cNvPr>
@@ -2479,7 +2479,7 @@
           <a:bodyPr/>
           <a:lstStyle/>
           <a:p>
-            <a:fld id="{B5FDE367-3BA7-4E8C-9151-2BAD4B7C0002}" type="slidenum">
+            <a:fld id="{40799C42-874D-4A89-B4A7-9D36783BEBE8}" type="slidenum">
               <a:rPr lang="en-US" smtClean="0"/>
               <a:t>‹#›</a:t>
             </a:fld>
@@ -2490,7 +2490,7 @@
     </p:spTree>
     <p:extLst>
       <p:ext uri="{BB962C8B-B14F-4D97-AF65-F5344CB8AC3E}">
-        <p14:creationId xmlns:p14="http://schemas.microsoft.com/office/powerpoint/2010/main" val="1964917302"/>
+        <p14:creationId xmlns:p14="http://schemas.microsoft.com/office/powerpoint/2010/main" val="1896041642"/>
       </p:ext>
     </p:extLst>
   </p:cSld>
@@ -2522,7 +2522,7 @@
           <p:cNvPr id="2" name="Title 1">
             <a:extLst>
               <a:ext uri="{FF2B5EF4-FFF2-40B4-BE49-F238E27FC236}">
-                <a16:creationId xmlns:a16="http://schemas.microsoft.com/office/drawing/2014/main" id="{7439F632-98F4-6E4D-7C9F-945D693246C3}"/>
+                <a16:creationId xmlns:a16="http://schemas.microsoft.com/office/drawing/2014/main" id="{8711396F-92D2-47A4-DD7B-1A12DA8996E7}"/>
               </a:ext>
             </a:extLst>
           </p:cNvPr>
@@ -2550,7 +2550,7 @@
           <p:cNvPr id="3" name="Date Placeholder 2">
             <a:extLst>
               <a:ext uri="{FF2B5EF4-FFF2-40B4-BE49-F238E27FC236}">
-                <a16:creationId xmlns:a16="http://schemas.microsoft.com/office/drawing/2014/main" id="{EB918ECB-CEED-35A1-EDB6-D5FB30D2A1A9}"/>
+                <a16:creationId xmlns:a16="http://schemas.microsoft.com/office/drawing/2014/main" id="{CF2D9094-71C7-5ABC-80AB-C23B29D8E719}"/>
               </a:ext>
             </a:extLst>
           </p:cNvPr>
@@ -2566,9 +2566,9 @@
           <a:bodyPr/>
           <a:lstStyle/>
           <a:p>
-            <a:fld id="{4199E21B-4CC7-460A-90B1-35D2143FC871}" type="datetimeFigureOut">
+            <a:fld id="{6B2FD0BA-6F8B-41A4-9567-C00D999E1E0D}" type="datetimeFigureOut">
               <a:rPr lang="en-US" smtClean="0"/>
-              <a:t>4/20/2024</a:t>
+              <a:t>5/15/2024</a:t>
             </a:fld>
             <a:endParaRPr lang="en-US"/>
           </a:p>
@@ -2579,7 +2579,7 @@
           <p:cNvPr id="4" name="Footer Placeholder 3">
             <a:extLst>
               <a:ext uri="{FF2B5EF4-FFF2-40B4-BE49-F238E27FC236}">
-                <a16:creationId xmlns:a16="http://schemas.microsoft.com/office/drawing/2014/main" id="{B161DCBE-C4EF-E189-EC9A-384D220E6715}"/>
+                <a16:creationId xmlns:a16="http://schemas.microsoft.com/office/drawing/2014/main" id="{224CC4BA-8E78-6A89-EAB8-719D137CE678}"/>
               </a:ext>
             </a:extLst>
           </p:cNvPr>
@@ -2604,7 +2604,7 @@
           <p:cNvPr id="5" name="Slide Number Placeholder 4">
             <a:extLst>
               <a:ext uri="{FF2B5EF4-FFF2-40B4-BE49-F238E27FC236}">
-                <a16:creationId xmlns:a16="http://schemas.microsoft.com/office/drawing/2014/main" id="{248CD458-3603-1F7C-8B09-FCFD02D243A7}"/>
+                <a16:creationId xmlns:a16="http://schemas.microsoft.com/office/drawing/2014/main" id="{D30044D4-688B-0639-145C-3AEF908211AE}"/>
               </a:ext>
             </a:extLst>
           </p:cNvPr>
@@ -2620,7 +2620,7 @@
           <a:bodyPr/>
           <a:lstStyle/>
           <a:p>
-            <a:fld id="{B5FDE367-3BA7-4E8C-9151-2BAD4B7C0002}" type="slidenum">
+            <a:fld id="{40799C42-874D-4A89-B4A7-9D36783BEBE8}" type="slidenum">
               <a:rPr lang="en-US" smtClean="0"/>
               <a:t>‹#›</a:t>
             </a:fld>
@@ -2631,7 +2631,7 @@
     </p:spTree>
     <p:extLst>
       <p:ext uri="{BB962C8B-B14F-4D97-AF65-F5344CB8AC3E}">
-        <p14:creationId xmlns:p14="http://schemas.microsoft.com/office/powerpoint/2010/main" val="33274035"/>
+        <p14:creationId xmlns:p14="http://schemas.microsoft.com/office/powerpoint/2010/main" val="317396373"/>
       </p:ext>
     </p:extLst>
   </p:cSld>
@@ -2663,7 +2663,7 @@
           <p:cNvPr id="2" name="Date Placeholder 1">
             <a:extLst>
               <a:ext uri="{FF2B5EF4-FFF2-40B4-BE49-F238E27FC236}">
-                <a16:creationId xmlns:a16="http://schemas.microsoft.com/office/drawing/2014/main" id="{62A4BC68-083E-A62D-B20C-EF680B172B05}"/>
+                <a16:creationId xmlns:a16="http://schemas.microsoft.com/office/drawing/2014/main" id="{46745A2F-7FD8-569F-31C1-3B2B05B4889C}"/>
               </a:ext>
             </a:extLst>
           </p:cNvPr>
@@ -2679,9 +2679,9 @@
           <a:bodyPr/>
           <a:lstStyle/>
           <a:p>
-            <a:fld id="{4199E21B-4CC7-460A-90B1-35D2143FC871}" type="datetimeFigureOut">
+            <a:fld id="{6B2FD0BA-6F8B-41A4-9567-C00D999E1E0D}" type="datetimeFigureOut">
               <a:rPr lang="en-US" smtClean="0"/>
-              <a:t>4/20/2024</a:t>
+              <a:t>5/15/2024</a:t>
             </a:fld>
             <a:endParaRPr lang="en-US"/>
           </a:p>
@@ -2692,7 +2692,7 @@
           <p:cNvPr id="3" name="Footer Placeholder 2">
             <a:extLst>
               <a:ext uri="{FF2B5EF4-FFF2-40B4-BE49-F238E27FC236}">
-                <a16:creationId xmlns:a16="http://schemas.microsoft.com/office/drawing/2014/main" id="{8220E967-FE23-5CFB-A117-ADD97E7AD776}"/>
+                <a16:creationId xmlns:a16="http://schemas.microsoft.com/office/drawing/2014/main" id="{E3609FCD-6288-13F0-8D2D-476FF6BE7FD7}"/>
               </a:ext>
             </a:extLst>
           </p:cNvPr>
@@ -2717,7 +2717,7 @@
           <p:cNvPr id="4" name="Slide Number Placeholder 3">
             <a:extLst>
               <a:ext uri="{FF2B5EF4-FFF2-40B4-BE49-F238E27FC236}">
-                <a16:creationId xmlns:a16="http://schemas.microsoft.com/office/drawing/2014/main" id="{1B819254-46B5-8CEE-3728-077D6283974D}"/>
+                <a16:creationId xmlns:a16="http://schemas.microsoft.com/office/drawing/2014/main" id="{0278ACDC-EAC3-55E8-A5E4-620F8D21E474}"/>
               </a:ext>
             </a:extLst>
           </p:cNvPr>
@@ -2733,7 +2733,7 @@
           <a:bodyPr/>
           <a:lstStyle/>
           <a:p>
-            <a:fld id="{B5FDE367-3BA7-4E8C-9151-2BAD4B7C0002}" type="slidenum">
+            <a:fld id="{40799C42-874D-4A89-B4A7-9D36783BEBE8}" type="slidenum">
               <a:rPr lang="en-US" smtClean="0"/>
               <a:t>‹#›</a:t>
             </a:fld>
@@ -2744,7 +2744,7 @@
     </p:spTree>
     <p:extLst>
       <p:ext uri="{BB962C8B-B14F-4D97-AF65-F5344CB8AC3E}">
-        <p14:creationId xmlns:p14="http://schemas.microsoft.com/office/powerpoint/2010/main" val="3187134271"/>
+        <p14:creationId xmlns:p14="http://schemas.microsoft.com/office/powerpoint/2010/main" val="2471337036"/>
       </p:ext>
     </p:extLst>
   </p:cSld>
@@ -2776,7 +2776,7 @@
           <p:cNvPr id="2" name="Title 1">
             <a:extLst>
               <a:ext uri="{FF2B5EF4-FFF2-40B4-BE49-F238E27FC236}">
-                <a16:creationId xmlns:a16="http://schemas.microsoft.com/office/drawing/2014/main" id="{400CECC6-6811-A169-F08E-2BE13108CCF3}"/>
+                <a16:creationId xmlns:a16="http://schemas.microsoft.com/office/drawing/2014/main" id="{F8C12D69-3AF8-A0E6-DFF1-5ADBB20D37A5}"/>
               </a:ext>
             </a:extLst>
           </p:cNvPr>
@@ -2813,7 +2813,7 @@
           <p:cNvPr id="3" name="Content Placeholder 2">
             <a:extLst>
               <a:ext uri="{FF2B5EF4-FFF2-40B4-BE49-F238E27FC236}">
-                <a16:creationId xmlns:a16="http://schemas.microsoft.com/office/drawing/2014/main" id="{27ADF97D-25AD-A570-22FF-9CDF7C7C2377}"/>
+                <a16:creationId xmlns:a16="http://schemas.microsoft.com/office/drawing/2014/main" id="{859DA1D3-C408-8AA2-7552-B8C16D8BB12D}"/>
               </a:ext>
             </a:extLst>
           </p:cNvPr>
@@ -2903,7 +2903,7 @@
           <p:cNvPr id="4" name="Text Placeholder 3">
             <a:extLst>
               <a:ext uri="{FF2B5EF4-FFF2-40B4-BE49-F238E27FC236}">
-                <a16:creationId xmlns:a16="http://schemas.microsoft.com/office/drawing/2014/main" id="{02F06091-E599-8C18-04E4-2F43294E5D17}"/>
+                <a16:creationId xmlns:a16="http://schemas.microsoft.com/office/drawing/2014/main" id="{CD2F6DC6-A21F-D798-4229-6675D020BFEF}"/>
               </a:ext>
             </a:extLst>
           </p:cNvPr>
@@ -2974,7 +2974,7 @@
           <p:cNvPr id="5" name="Date Placeholder 4">
             <a:extLst>
               <a:ext uri="{FF2B5EF4-FFF2-40B4-BE49-F238E27FC236}">
-                <a16:creationId xmlns:a16="http://schemas.microsoft.com/office/drawing/2014/main" id="{A3B7CBDD-D834-66F7-4D58-BDEE42BD91C6}"/>
+                <a16:creationId xmlns:a16="http://schemas.microsoft.com/office/drawing/2014/main" id="{154AF20A-5C5F-0437-EBC2-2E524AD13180}"/>
               </a:ext>
             </a:extLst>
           </p:cNvPr>
@@ -2990,9 +2990,9 @@
           <a:bodyPr/>
           <a:lstStyle/>
           <a:p>
-            <a:fld id="{4199E21B-4CC7-460A-90B1-35D2143FC871}" type="datetimeFigureOut">
+            <a:fld id="{6B2FD0BA-6F8B-41A4-9567-C00D999E1E0D}" type="datetimeFigureOut">
               <a:rPr lang="en-US" smtClean="0"/>
-              <a:t>4/20/2024</a:t>
+              <a:t>5/15/2024</a:t>
             </a:fld>
             <a:endParaRPr lang="en-US"/>
           </a:p>
@@ -3003,7 +3003,7 @@
           <p:cNvPr id="6" name="Footer Placeholder 5">
             <a:extLst>
               <a:ext uri="{FF2B5EF4-FFF2-40B4-BE49-F238E27FC236}">
-                <a16:creationId xmlns:a16="http://schemas.microsoft.com/office/drawing/2014/main" id="{DC5ECDB4-2A43-3F2F-3B79-DAF0A3FD43CD}"/>
+                <a16:creationId xmlns:a16="http://schemas.microsoft.com/office/drawing/2014/main" id="{705D67E4-8032-33A6-3B1A-51D26F94CEFA}"/>
               </a:ext>
             </a:extLst>
           </p:cNvPr>
@@ -3028,7 +3028,7 @@
           <p:cNvPr id="7" name="Slide Number Placeholder 6">
             <a:extLst>
               <a:ext uri="{FF2B5EF4-FFF2-40B4-BE49-F238E27FC236}">
-                <a16:creationId xmlns:a16="http://schemas.microsoft.com/office/drawing/2014/main" id="{DF55ABB1-CF6F-0283-7E1A-09B0D9B2380F}"/>
+                <a16:creationId xmlns:a16="http://schemas.microsoft.com/office/drawing/2014/main" id="{99C185C0-5221-6611-2179-53E27D6F6247}"/>
               </a:ext>
             </a:extLst>
           </p:cNvPr>
@@ -3044,7 +3044,7 @@
           <a:bodyPr/>
           <a:lstStyle/>
           <a:p>
-            <a:fld id="{B5FDE367-3BA7-4E8C-9151-2BAD4B7C0002}" type="slidenum">
+            <a:fld id="{40799C42-874D-4A89-B4A7-9D36783BEBE8}" type="slidenum">
               <a:rPr lang="en-US" smtClean="0"/>
               <a:t>‹#›</a:t>
             </a:fld>
@@ -3055,7 +3055,7 @@
     </p:spTree>
     <p:extLst>
       <p:ext uri="{BB962C8B-B14F-4D97-AF65-F5344CB8AC3E}">
-        <p14:creationId xmlns:p14="http://schemas.microsoft.com/office/powerpoint/2010/main" val="1015758309"/>
+        <p14:creationId xmlns:p14="http://schemas.microsoft.com/office/powerpoint/2010/main" val="3671388458"/>
       </p:ext>
     </p:extLst>
   </p:cSld>
@@ -3087,7 +3087,7 @@
           <p:cNvPr id="2" name="Title 1">
             <a:extLst>
               <a:ext uri="{FF2B5EF4-FFF2-40B4-BE49-F238E27FC236}">
-                <a16:creationId xmlns:a16="http://schemas.microsoft.com/office/drawing/2014/main" id="{6DB54C07-AFBD-9C49-2A51-9C7A2E8CE4D2}"/>
+                <a16:creationId xmlns:a16="http://schemas.microsoft.com/office/drawing/2014/main" id="{6001CC64-1ED8-1299-61CE-ACDD6A64214C}"/>
               </a:ext>
             </a:extLst>
           </p:cNvPr>
@@ -3124,7 +3124,7 @@
           <p:cNvPr id="3" name="Picture Placeholder 2">
             <a:extLst>
               <a:ext uri="{FF2B5EF4-FFF2-40B4-BE49-F238E27FC236}">
-                <a16:creationId xmlns:a16="http://schemas.microsoft.com/office/drawing/2014/main" id="{4FBAE51C-D164-B761-625A-308976B23BDB}"/>
+                <a16:creationId xmlns:a16="http://schemas.microsoft.com/office/drawing/2014/main" id="{A0EDAD2D-AEF9-F157-26DA-3752A3A9E7DF}"/>
               </a:ext>
             </a:extLst>
           </p:cNvPr>
@@ -3191,7 +3191,7 @@
           <p:cNvPr id="4" name="Text Placeholder 3">
             <a:extLst>
               <a:ext uri="{FF2B5EF4-FFF2-40B4-BE49-F238E27FC236}">
-                <a16:creationId xmlns:a16="http://schemas.microsoft.com/office/drawing/2014/main" id="{4CA0F4A3-3870-18A5-24F4-D575E4A2120F}"/>
+                <a16:creationId xmlns:a16="http://schemas.microsoft.com/office/drawing/2014/main" id="{2C2B89E5-5CA4-C955-B892-8368B67711FA}"/>
               </a:ext>
             </a:extLst>
           </p:cNvPr>
@@ -3262,7 +3262,7 @@
           <p:cNvPr id="5" name="Date Placeholder 4">
             <a:extLst>
               <a:ext uri="{FF2B5EF4-FFF2-40B4-BE49-F238E27FC236}">
-                <a16:creationId xmlns:a16="http://schemas.microsoft.com/office/drawing/2014/main" id="{7C2B8FF4-321B-B8A6-8F30-C42B19F9677F}"/>
+                <a16:creationId xmlns:a16="http://schemas.microsoft.com/office/drawing/2014/main" id="{E69A7C84-7BA0-5EF4-A1AD-F08CC63BA8F2}"/>
               </a:ext>
             </a:extLst>
           </p:cNvPr>
@@ -3278,9 +3278,9 @@
           <a:bodyPr/>
           <a:lstStyle/>
           <a:p>
-            <a:fld id="{4199E21B-4CC7-460A-90B1-35D2143FC871}" type="datetimeFigureOut">
+            <a:fld id="{6B2FD0BA-6F8B-41A4-9567-C00D999E1E0D}" type="datetimeFigureOut">
               <a:rPr lang="en-US" smtClean="0"/>
-              <a:t>4/20/2024</a:t>
+              <a:t>5/15/2024</a:t>
             </a:fld>
             <a:endParaRPr lang="en-US"/>
           </a:p>
@@ -3291,7 +3291,7 @@
           <p:cNvPr id="6" name="Footer Placeholder 5">
             <a:extLst>
               <a:ext uri="{FF2B5EF4-FFF2-40B4-BE49-F238E27FC236}">
-                <a16:creationId xmlns:a16="http://schemas.microsoft.com/office/drawing/2014/main" id="{0411B6B9-9A16-9097-3FA2-B5F3A9B810C3}"/>
+                <a16:creationId xmlns:a16="http://schemas.microsoft.com/office/drawing/2014/main" id="{051A60CA-00EE-40E7-9602-A7743AF716D3}"/>
               </a:ext>
             </a:extLst>
           </p:cNvPr>
@@ -3316,7 +3316,7 @@
           <p:cNvPr id="7" name="Slide Number Placeholder 6">
             <a:extLst>
               <a:ext uri="{FF2B5EF4-FFF2-40B4-BE49-F238E27FC236}">
-                <a16:creationId xmlns:a16="http://schemas.microsoft.com/office/drawing/2014/main" id="{5D1131B5-D7A6-B7B8-EE08-D3EB15B0F1E8}"/>
+                <a16:creationId xmlns:a16="http://schemas.microsoft.com/office/drawing/2014/main" id="{729B75D2-C6DC-D417-C98F-92BAE7754B11}"/>
               </a:ext>
             </a:extLst>
           </p:cNvPr>
@@ -3332,7 +3332,7 @@
           <a:bodyPr/>
           <a:lstStyle/>
           <a:p>
-            <a:fld id="{B5FDE367-3BA7-4E8C-9151-2BAD4B7C0002}" type="slidenum">
+            <a:fld id="{40799C42-874D-4A89-B4A7-9D36783BEBE8}" type="slidenum">
               <a:rPr lang="en-US" smtClean="0"/>
               <a:t>‹#›</a:t>
             </a:fld>
@@ -3343,7 +3343,7 @@
     </p:spTree>
     <p:extLst>
       <p:ext uri="{BB962C8B-B14F-4D97-AF65-F5344CB8AC3E}">
-        <p14:creationId xmlns:p14="http://schemas.microsoft.com/office/powerpoint/2010/main" val="167645475"/>
+        <p14:creationId xmlns:p14="http://schemas.microsoft.com/office/powerpoint/2010/main" val="580984735"/>
       </p:ext>
     </p:extLst>
   </p:cSld>
@@ -3380,7 +3380,7 @@
           <p:cNvPr id="2" name="Title Placeholder 1">
             <a:extLst>
               <a:ext uri="{FF2B5EF4-FFF2-40B4-BE49-F238E27FC236}">
-                <a16:creationId xmlns:a16="http://schemas.microsoft.com/office/drawing/2014/main" id="{075C9B8E-A545-3AFA-F869-0C0BC157E092}"/>
+                <a16:creationId xmlns:a16="http://schemas.microsoft.com/office/drawing/2014/main" id="{B869E021-8B24-5809-68CF-8507435BBBE3}"/>
               </a:ext>
             </a:extLst>
           </p:cNvPr>
@@ -3418,7 +3418,7 @@
           <p:cNvPr id="3" name="Text Placeholder 2">
             <a:extLst>
               <a:ext uri="{FF2B5EF4-FFF2-40B4-BE49-F238E27FC236}">
-                <a16:creationId xmlns:a16="http://schemas.microsoft.com/office/drawing/2014/main" id="{6EA13298-E72C-8267-9B69-53BE06D7640A}"/>
+                <a16:creationId xmlns:a16="http://schemas.microsoft.com/office/drawing/2014/main" id="{1EDE4202-0315-0961-F434-D2DE688DD894}"/>
               </a:ext>
             </a:extLst>
           </p:cNvPr>
@@ -3485,7 +3485,7 @@
           <p:cNvPr id="4" name="Date Placeholder 3">
             <a:extLst>
               <a:ext uri="{FF2B5EF4-FFF2-40B4-BE49-F238E27FC236}">
-                <a16:creationId xmlns:a16="http://schemas.microsoft.com/office/drawing/2014/main" id="{9B19E17D-C18B-BFF6-9917-2457D81675C4}"/>
+                <a16:creationId xmlns:a16="http://schemas.microsoft.com/office/drawing/2014/main" id="{7B3B7C52-8EA4-DF21-57BE-515FCFB6A561}"/>
               </a:ext>
             </a:extLst>
           </p:cNvPr>
@@ -3519,9 +3519,9 @@
             </a:lvl1pPr>
           </a:lstStyle>
           <a:p>
-            <a:fld id="{4199E21B-4CC7-460A-90B1-35D2143FC871}" type="datetimeFigureOut">
+            <a:fld id="{6B2FD0BA-6F8B-41A4-9567-C00D999E1E0D}" type="datetimeFigureOut">
               <a:rPr lang="en-US" smtClean="0"/>
-              <a:t>4/20/2024</a:t>
+              <a:t>5/15/2024</a:t>
             </a:fld>
             <a:endParaRPr lang="en-US"/>
           </a:p>
@@ -3532,7 +3532,7 @@
           <p:cNvPr id="5" name="Footer Placeholder 4">
             <a:extLst>
               <a:ext uri="{FF2B5EF4-FFF2-40B4-BE49-F238E27FC236}">
-                <a16:creationId xmlns:a16="http://schemas.microsoft.com/office/drawing/2014/main" id="{4F5DFF5C-0757-7194-E089-A2099563C716}"/>
+                <a16:creationId xmlns:a16="http://schemas.microsoft.com/office/drawing/2014/main" id="{5C8C8FA0-0508-BFA8-60BA-2780A8CBD1B5}"/>
               </a:ext>
             </a:extLst>
           </p:cNvPr>
@@ -3575,7 +3575,7 @@
           <p:cNvPr id="6" name="Slide Number Placeholder 5">
             <a:extLst>
               <a:ext uri="{FF2B5EF4-FFF2-40B4-BE49-F238E27FC236}">
-                <a16:creationId xmlns:a16="http://schemas.microsoft.com/office/drawing/2014/main" id="{E0E202E9-7EC7-89D0-5E6C-5BC6E1C5687B}"/>
+                <a16:creationId xmlns:a16="http://schemas.microsoft.com/office/drawing/2014/main" id="{B292BDAF-98DB-C430-C416-0B84CEAE69BD}"/>
               </a:ext>
             </a:extLst>
           </p:cNvPr>
@@ -3609,7 +3609,7 @@
             </a:lvl1pPr>
           </a:lstStyle>
           <a:p>
-            <a:fld id="{B5FDE367-3BA7-4E8C-9151-2BAD4B7C0002}" type="slidenum">
+            <a:fld id="{40799C42-874D-4A89-B4A7-9D36783BEBE8}" type="slidenum">
               <a:rPr lang="en-US" smtClean="0"/>
               <a:t>‹#›</a:t>
             </a:fld>
@@ -3620,7 +3620,7 @@
     </p:spTree>
     <p:extLst>
       <p:ext uri="{BB962C8B-B14F-4D97-AF65-F5344CB8AC3E}">
-        <p14:creationId xmlns:p14="http://schemas.microsoft.com/office/powerpoint/2010/main" val="937227937"/>
+        <p14:creationId xmlns:p14="http://schemas.microsoft.com/office/powerpoint/2010/main" val="685320867"/>
       </p:ext>
     </p:extLst>
   </p:cSld>
@@ -4143,6 +4143,15 @@
           <a:lstStyle/>
           <a:p>
             <a:r>
+              <a:rPr lang="th-TH" dirty="0">
+                <a:latin typeface="TH SarabunPSK" panose="020B0500040200020003" pitchFamily="34" charset="-34"/>
+                <a:cs typeface="TH SarabunPSK" panose="020B0500040200020003" pitchFamily="34" charset="-34"/>
+              </a:rPr>
+              <a:t>บทที่ 6 การแสดงผลการกระจายของข้อมูล</a:t>
+            </a:r>
+          </a:p>
+          <a:p>
+            <a:r>
               <a:rPr lang="en-US" dirty="0" err="1">
                 <a:latin typeface="TH SarabunPSK" panose="020B0500040200020003" pitchFamily="34" charset="-34"/>
                 <a:cs typeface="TH SarabunPSK" panose="020B0500040200020003" pitchFamily="34" charset="-34"/>
@@ -5601,11 +5610,18 @@
               <a:t>การใช้ </a:t>
             </a:r>
             <a:r>
+              <a:rPr lang="en-US" dirty="0" err="1">
+                <a:latin typeface="TH SarabunPSK" panose="020B0500040200020003" pitchFamily="34" charset="-34"/>
+                <a:cs typeface="TH SarabunPSK" panose="020B0500040200020003" pitchFamily="34" charset="-34"/>
+              </a:rPr>
+              <a:t>plt.subplot</a:t>
+            </a:r>
+            <a:r>
               <a:rPr lang="en-US" dirty="0">
                 <a:latin typeface="TH SarabunPSK" panose="020B0500040200020003" pitchFamily="34" charset="-34"/>
                 <a:cs typeface="TH SarabunPSK" panose="020B0500040200020003" pitchFamily="34" charset="-34"/>
               </a:rPr>
-              <a:t>subplot</a:t>
+              <a:t>()</a:t>
             </a:r>
           </a:p>
         </p:txBody>
@@ -5655,7 +5671,7 @@
                 <a:latin typeface="TH SarabunPSK" panose="020B0500040200020003" pitchFamily="34" charset="-34"/>
                 <a:cs typeface="TH SarabunPSK" panose="020B0500040200020003" pitchFamily="34" charset="-34"/>
               </a:rPr>
-              <a:t> กราฟเพื่อเปรียบเทียบดูความแตกต่างระหว่างกราฟ </a:t>
+              <a:t> รูปเพื่อเปรียบเทียบดูความแตกต่างระหว่างกราฟ </a:t>
             </a:r>
           </a:p>
           <a:p>
@@ -5779,20 +5795,54 @@
               <a:t>plt.imshow</a:t>
             </a:r>
             <a:r>
-              <a:rPr lang="th-TH" sz="2400" b="0" i="0" dirty="0">
-                <a:effectLst/>
-                <a:latin typeface="TH SarabunPSK" panose="020B0500040200020003" pitchFamily="34" charset="-34"/>
-                <a:cs typeface="TH SarabunPSK" panose="020B0500040200020003" pitchFamily="34" charset="-34"/>
-              </a:rPr>
-              <a:t> ตัวที่ </a:t>
-            </a:r>
-            <a:r>
-              <a:rPr lang="en-US" sz="2400" b="0" i="0" dirty="0">
-                <a:effectLst/>
-                <a:latin typeface="TH SarabunPSK" panose="020B0500040200020003" pitchFamily="34" charset="-34"/>
-                <a:cs typeface="TH SarabunPSK" panose="020B0500040200020003" pitchFamily="34" charset="-34"/>
-              </a:rPr>
-              <a:t>1</a:t>
+              <a:rPr lang="en-US" sz="2400" dirty="0">
+                <a:latin typeface="TH SarabunPSK" panose="020B0500040200020003" pitchFamily="34" charset="-34"/>
+                <a:cs typeface="TH SarabunPSK" panose="020B0500040200020003" pitchFamily="34" charset="-34"/>
+              </a:rPr>
+              <a:t>(</a:t>
+            </a:r>
+            <a:r>
+              <a:rPr lang="th-TH" sz="2400" dirty="0">
+                <a:solidFill>
+                  <a:schemeClr val="accent2">
+                    <a:lumMod val="75000"/>
+                  </a:schemeClr>
+                </a:solidFill>
+                <a:latin typeface="TH SarabunPSK" panose="020B0500040200020003" pitchFamily="34" charset="-34"/>
+                <a:cs typeface="TH SarabunPSK" panose="020B0500040200020003" pitchFamily="34" charset="-34"/>
+              </a:rPr>
+              <a:t>ตัวแปรที่ใช้เก็บข้อมูล</a:t>
+            </a:r>
+            <a:r>
+              <a:rPr lang="en-US" sz="2400" dirty="0">
+                <a:solidFill>
+                  <a:schemeClr val="accent2">
+                    <a:lumMod val="75000"/>
+                  </a:schemeClr>
+                </a:solidFill>
+                <a:latin typeface="TH SarabunPSK" panose="020B0500040200020003" pitchFamily="34" charset="-34"/>
+                <a:cs typeface="TH SarabunPSK" panose="020B0500040200020003" pitchFamily="34" charset="-34"/>
+              </a:rPr>
+              <a:t>, parameter</a:t>
+            </a:r>
+            <a:r>
+              <a:rPr lang="th-TH" sz="2400" dirty="0">
+                <a:solidFill>
+                  <a:schemeClr val="accent2">
+                    <a:lumMod val="75000"/>
+                  </a:schemeClr>
+                </a:solidFill>
+                <a:latin typeface="TH SarabunPSK" panose="020B0500040200020003" pitchFamily="34" charset="-34"/>
+                <a:cs typeface="TH SarabunPSK" panose="020B0500040200020003" pitchFamily="34" charset="-34"/>
+              </a:rPr>
+              <a:t> ของกราฟที่ต้องการสร้าง</a:t>
+            </a:r>
+            <a:r>
+              <a:rPr lang="en-US" sz="2400" dirty="0">
+                <a:latin typeface="TH SarabunPSK" panose="020B0500040200020003" pitchFamily="34" charset="-34"/>
+                <a:cs typeface="TH SarabunPSK" panose="020B0500040200020003" pitchFamily="34" charset="-34"/>
+              </a:rPr>
+              <a:t>)</a:t>
             </a:r>
             <a:r>
               <a:rPr lang="th-TH" sz="2400" b="0" i="0" dirty="0">
@@ -6096,7 +6146,7 @@
         </p:nvSpPr>
         <p:spPr>
           <a:xfrm>
-            <a:off x="1549830" y="4197094"/>
+            <a:off x="1578405" y="4379482"/>
             <a:ext cx="1549830" cy="1358846"/>
           </a:xfrm>
           <a:prstGeom prst="rect">
@@ -6150,7 +6200,7 @@
         </p:nvCxnSpPr>
         <p:spPr>
           <a:xfrm>
-            <a:off x="2061275" y="4197094"/>
+            <a:off x="2089850" y="4379482"/>
             <a:ext cx="0" cy="1358846"/>
           </a:xfrm>
           <a:prstGeom prst="line">
@@ -6188,7 +6238,7 @@
         </p:nvCxnSpPr>
         <p:spPr>
           <a:xfrm>
-            <a:off x="2585633" y="4197094"/>
+            <a:off x="2614208" y="4379482"/>
             <a:ext cx="0" cy="1358846"/>
           </a:xfrm>
           <a:prstGeom prst="line">
@@ -6224,7 +6274,7 @@
         </p:nvSpPr>
         <p:spPr>
           <a:xfrm>
-            <a:off x="4146550" y="4194404"/>
+            <a:off x="4175125" y="4376792"/>
             <a:ext cx="1549830" cy="1358846"/>
           </a:xfrm>
           <a:prstGeom prst="rect">
@@ -6278,7 +6328,7 @@
         </p:nvCxnSpPr>
         <p:spPr>
           <a:xfrm>
-            <a:off x="4657995" y="4194404"/>
+            <a:off x="4686570" y="4376792"/>
             <a:ext cx="0" cy="1358846"/>
           </a:xfrm>
           <a:prstGeom prst="line">
@@ -6316,7 +6366,7 @@
         </p:nvCxnSpPr>
         <p:spPr>
           <a:xfrm>
-            <a:off x="5182353" y="4194404"/>
+            <a:off x="5210928" y="4376792"/>
             <a:ext cx="0" cy="1358846"/>
           </a:xfrm>
           <a:prstGeom prst="line">
@@ -6356,7 +6406,7 @@
         </p:nvCxnSpPr>
         <p:spPr>
           <a:xfrm>
-            <a:off x="4146550" y="4873827"/>
+            <a:off x="4175125" y="5056215"/>
             <a:ext cx="1549830" cy="0"/>
           </a:xfrm>
           <a:prstGeom prst="line">
@@ -6392,7 +6442,7 @@
         </p:nvSpPr>
         <p:spPr>
           <a:xfrm>
-            <a:off x="1735809" y="4744311"/>
+            <a:off x="1764384" y="4926699"/>
             <a:ext cx="154980" cy="132206"/>
           </a:xfrm>
           <a:prstGeom prst="ellipse">
@@ -6446,7 +6496,7 @@
         </p:nvSpPr>
         <p:spPr>
           <a:xfrm>
-            <a:off x="4843975" y="5110567"/>
+            <a:off x="4872550" y="5292955"/>
             <a:ext cx="154980" cy="132206"/>
           </a:xfrm>
           <a:prstGeom prst="ellipse">
@@ -6921,11 +6971,18 @@
               <a:t>ตัวอย่างการใช้ </a:t>
             </a:r>
             <a:r>
+              <a:rPr lang="en-US" dirty="0" err="1">
+                <a:latin typeface="TH SarabunPSK" panose="020B0500040200020003" pitchFamily="34" charset="-34"/>
+                <a:cs typeface="TH SarabunPSK" panose="020B0500040200020003" pitchFamily="34" charset="-34"/>
+              </a:rPr>
+              <a:t>plt.subplot</a:t>
+            </a:r>
+            <a:r>
               <a:rPr lang="en-US" dirty="0">
                 <a:latin typeface="TH SarabunPSK" panose="020B0500040200020003" pitchFamily="34" charset="-34"/>
                 <a:cs typeface="TH SarabunPSK" panose="020B0500040200020003" pitchFamily="34" charset="-34"/>
               </a:rPr>
-              <a:t>subplot</a:t>
+              <a:t>()</a:t>
             </a:r>
           </a:p>
         </p:txBody>

--- a/PPT/Class period 11.pptx
+++ b/PPT/Class period 11.pptx
@@ -120,6 +120,11 @@
       </a:defRPr>
     </a:lvl9pPr>
   </p:defaultTextStyle>
+  <p:extLst>
+    <p:ext uri="{EFAFB233-063F-42B5-8137-9DF3F51BA10A}">
+      <p15:sldGuideLst xmlns:p15="http://schemas.microsoft.com/office/powerpoint/2012/main"/>
+    </p:ext>
+  </p:extLst>
 </p:presentation>
 </file>
 
@@ -205,7 +210,7 @@
           <a:p>
             <a:fld id="{D3881DA6-F439-46E2-9D0F-14F232E6BA82}" type="datetimeFigureOut">
               <a:rPr lang="en-US" smtClean="0"/>
-              <a:t>5/15/2024</a:t>
+              <a:t>6/17/2024</a:t>
             </a:fld>
             <a:endParaRPr lang="en-US"/>
           </a:p>
@@ -871,7 +876,7 @@
           <a:p>
             <a:fld id="{6B2FD0BA-6F8B-41A4-9567-C00D999E1E0D}" type="datetimeFigureOut">
               <a:rPr lang="en-US" smtClean="0"/>
-              <a:t>5/15/2024</a:t>
+              <a:t>6/17/2024</a:t>
             </a:fld>
             <a:endParaRPr lang="en-US"/>
           </a:p>
@@ -1069,7 +1074,7 @@
           <a:p>
             <a:fld id="{6B2FD0BA-6F8B-41A4-9567-C00D999E1E0D}" type="datetimeFigureOut">
               <a:rPr lang="en-US" smtClean="0"/>
-              <a:t>5/15/2024</a:t>
+              <a:t>6/17/2024</a:t>
             </a:fld>
             <a:endParaRPr lang="en-US"/>
           </a:p>
@@ -1277,7 +1282,7 @@
           <a:p>
             <a:fld id="{6B2FD0BA-6F8B-41A4-9567-C00D999E1E0D}" type="datetimeFigureOut">
               <a:rPr lang="en-US" smtClean="0"/>
-              <a:t>5/15/2024</a:t>
+              <a:t>6/17/2024</a:t>
             </a:fld>
             <a:endParaRPr lang="en-US"/>
           </a:p>
@@ -1475,7 +1480,7 @@
           <a:p>
             <a:fld id="{6B2FD0BA-6F8B-41A4-9567-C00D999E1E0D}" type="datetimeFigureOut">
               <a:rPr lang="en-US" smtClean="0"/>
-              <a:t>5/15/2024</a:t>
+              <a:t>6/17/2024</a:t>
             </a:fld>
             <a:endParaRPr lang="en-US"/>
           </a:p>
@@ -1750,7 +1755,7 @@
           <a:p>
             <a:fld id="{6B2FD0BA-6F8B-41A4-9567-C00D999E1E0D}" type="datetimeFigureOut">
               <a:rPr lang="en-US" smtClean="0"/>
-              <a:t>5/15/2024</a:t>
+              <a:t>6/17/2024</a:t>
             </a:fld>
             <a:endParaRPr lang="en-US"/>
           </a:p>
@@ -2015,7 +2020,7 @@
           <a:p>
             <a:fld id="{6B2FD0BA-6F8B-41A4-9567-C00D999E1E0D}" type="datetimeFigureOut">
               <a:rPr lang="en-US" smtClean="0"/>
-              <a:t>5/15/2024</a:t>
+              <a:t>6/17/2024</a:t>
             </a:fld>
             <a:endParaRPr lang="en-US"/>
           </a:p>
@@ -2427,7 +2432,7 @@
           <a:p>
             <a:fld id="{6B2FD0BA-6F8B-41A4-9567-C00D999E1E0D}" type="datetimeFigureOut">
               <a:rPr lang="en-US" smtClean="0"/>
-              <a:t>5/15/2024</a:t>
+              <a:t>6/17/2024</a:t>
             </a:fld>
             <a:endParaRPr lang="en-US"/>
           </a:p>
@@ -2568,7 +2573,7 @@
           <a:p>
             <a:fld id="{6B2FD0BA-6F8B-41A4-9567-C00D999E1E0D}" type="datetimeFigureOut">
               <a:rPr lang="en-US" smtClean="0"/>
-              <a:t>5/15/2024</a:t>
+              <a:t>6/17/2024</a:t>
             </a:fld>
             <a:endParaRPr lang="en-US"/>
           </a:p>
@@ -2681,7 +2686,7 @@
           <a:p>
             <a:fld id="{6B2FD0BA-6F8B-41A4-9567-C00D999E1E0D}" type="datetimeFigureOut">
               <a:rPr lang="en-US" smtClean="0"/>
-              <a:t>5/15/2024</a:t>
+              <a:t>6/17/2024</a:t>
             </a:fld>
             <a:endParaRPr lang="en-US"/>
           </a:p>
@@ -2992,7 +2997,7 @@
           <a:p>
             <a:fld id="{6B2FD0BA-6F8B-41A4-9567-C00D999E1E0D}" type="datetimeFigureOut">
               <a:rPr lang="en-US" smtClean="0"/>
-              <a:t>5/15/2024</a:t>
+              <a:t>6/17/2024</a:t>
             </a:fld>
             <a:endParaRPr lang="en-US"/>
           </a:p>
@@ -3280,7 +3285,7 @@
           <a:p>
             <a:fld id="{6B2FD0BA-6F8B-41A4-9567-C00D999E1E0D}" type="datetimeFigureOut">
               <a:rPr lang="en-US" smtClean="0"/>
-              <a:t>5/15/2024</a:t>
+              <a:t>6/17/2024</a:t>
             </a:fld>
             <a:endParaRPr lang="en-US"/>
           </a:p>
@@ -3521,7 +3526,7 @@
           <a:p>
             <a:fld id="{6B2FD0BA-6F8B-41A4-9567-C00D999E1E0D}" type="datetimeFigureOut">
               <a:rPr lang="en-US" smtClean="0"/>
-              <a:t>5/15/2024</a:t>
+              <a:t>6/17/2024</a:t>
             </a:fld>
             <a:endParaRPr lang="en-US"/>
           </a:p>
@@ -4165,6 +4170,73 @@
           </a:p>
         </p:txBody>
       </p:sp>
+      <p:sp>
+        <p:nvSpPr>
+          <p:cNvPr id="7" name="TextBox 6">
+            <a:extLst>
+              <a:ext uri="{FF2B5EF4-FFF2-40B4-BE49-F238E27FC236}">
+                <a16:creationId xmlns:a16="http://schemas.microsoft.com/office/drawing/2014/main" id="{590071E5-8A5D-9329-582C-0C208FEAB9D1}"/>
+              </a:ext>
+            </a:extLst>
+          </p:cNvPr>
+          <p:cNvSpPr txBox="1"/>
+          <p:nvPr/>
+        </p:nvSpPr>
+        <p:spPr>
+          <a:xfrm>
+            <a:off x="114677" y="6172611"/>
+            <a:ext cx="5532120" cy="461665"/>
+          </a:xfrm>
+          <a:prstGeom prst="rect">
+            <a:avLst/>
+          </a:prstGeom>
+          <a:noFill/>
+        </p:spPr>
+        <p:txBody>
+          <a:bodyPr wrap="square">
+            <a:spAutoFit/>
+          </a:bodyPr>
+          <a:lstStyle/>
+          <a:p>
+            <a:pPr algn="l"/>
+            <a:r>
+              <a:rPr lang="th-TH" sz="2400" dirty="0">
+                <a:latin typeface="TH SarabunPSK" panose="020B0500040200020003" pitchFamily="34" charset="-34"/>
+                <a:cs typeface="TH SarabunPSK" panose="020B0500040200020003" pitchFamily="34" charset="-34"/>
+              </a:rPr>
+              <a:t>โดย ผศ</a:t>
+            </a:r>
+            <a:r>
+              <a:rPr lang="en-US" sz="2400" dirty="0">
+                <a:latin typeface="TH SarabunPSK" panose="020B0500040200020003" pitchFamily="34" charset="-34"/>
+                <a:cs typeface="TH SarabunPSK" panose="020B0500040200020003" pitchFamily="34" charset="-34"/>
+              </a:rPr>
+              <a:t>. </a:t>
+            </a:r>
+            <a:r>
+              <a:rPr lang="th-TH" sz="2400" dirty="0">
+                <a:latin typeface="TH SarabunPSK" panose="020B0500040200020003" pitchFamily="34" charset="-34"/>
+                <a:cs typeface="TH SarabunPSK" panose="020B0500040200020003" pitchFamily="34" charset="-34"/>
+              </a:rPr>
+              <a:t>ดร</a:t>
+            </a:r>
+            <a:r>
+              <a:rPr lang="en-US" sz="2400" dirty="0">
+                <a:latin typeface="TH SarabunPSK" panose="020B0500040200020003" pitchFamily="34" charset="-34"/>
+                <a:cs typeface="TH SarabunPSK" panose="020B0500040200020003" pitchFamily="34" charset="-34"/>
+              </a:rPr>
+              <a:t>.</a:t>
+            </a:r>
+            <a:r>
+              <a:rPr lang="th-TH" sz="2400" dirty="0">
+                <a:latin typeface="TH SarabunPSK" panose="020B0500040200020003" pitchFamily="34" charset="-34"/>
+                <a:cs typeface="TH SarabunPSK" panose="020B0500040200020003" pitchFamily="34" charset="-34"/>
+              </a:rPr>
+              <a:t>ธนพงศ์ อินทระ สาขาวิชาสถิติ มหาวิทยาลัยขอนแก่น </a:t>
+            </a:r>
+          </a:p>
+        </p:txBody>
+      </p:sp>
     </p:spTree>
     <p:extLst>
       <p:ext uri="{BB962C8B-B14F-4D97-AF65-F5344CB8AC3E}">
@@ -5175,6 +5247,73 @@
           </a:p>
         </p:txBody>
       </p:sp>
+      <p:sp>
+        <p:nvSpPr>
+          <p:cNvPr id="9" name="TextBox 8">
+            <a:extLst>
+              <a:ext uri="{FF2B5EF4-FFF2-40B4-BE49-F238E27FC236}">
+                <a16:creationId xmlns:a16="http://schemas.microsoft.com/office/drawing/2014/main" id="{F26FB5DF-2D13-F153-5383-9B72B5C23DEF}"/>
+              </a:ext>
+            </a:extLst>
+          </p:cNvPr>
+          <p:cNvSpPr txBox="1"/>
+          <p:nvPr/>
+        </p:nvSpPr>
+        <p:spPr>
+          <a:xfrm>
+            <a:off x="114677" y="6172611"/>
+            <a:ext cx="5532120" cy="461665"/>
+          </a:xfrm>
+          <a:prstGeom prst="rect">
+            <a:avLst/>
+          </a:prstGeom>
+          <a:noFill/>
+        </p:spPr>
+        <p:txBody>
+          <a:bodyPr wrap="square">
+            <a:spAutoFit/>
+          </a:bodyPr>
+          <a:lstStyle/>
+          <a:p>
+            <a:pPr algn="l"/>
+            <a:r>
+              <a:rPr lang="th-TH" sz="2400" dirty="0">
+                <a:latin typeface="TH SarabunPSK" panose="020B0500040200020003" pitchFamily="34" charset="-34"/>
+                <a:cs typeface="TH SarabunPSK" panose="020B0500040200020003" pitchFamily="34" charset="-34"/>
+              </a:rPr>
+              <a:t>โดย ผศ</a:t>
+            </a:r>
+            <a:r>
+              <a:rPr lang="en-US" sz="2400" dirty="0">
+                <a:latin typeface="TH SarabunPSK" panose="020B0500040200020003" pitchFamily="34" charset="-34"/>
+                <a:cs typeface="TH SarabunPSK" panose="020B0500040200020003" pitchFamily="34" charset="-34"/>
+              </a:rPr>
+              <a:t>. </a:t>
+            </a:r>
+            <a:r>
+              <a:rPr lang="th-TH" sz="2400" dirty="0">
+                <a:latin typeface="TH SarabunPSK" panose="020B0500040200020003" pitchFamily="34" charset="-34"/>
+                <a:cs typeface="TH SarabunPSK" panose="020B0500040200020003" pitchFamily="34" charset="-34"/>
+              </a:rPr>
+              <a:t>ดร</a:t>
+            </a:r>
+            <a:r>
+              <a:rPr lang="en-US" sz="2400" dirty="0">
+                <a:latin typeface="TH SarabunPSK" panose="020B0500040200020003" pitchFamily="34" charset="-34"/>
+                <a:cs typeface="TH SarabunPSK" panose="020B0500040200020003" pitchFamily="34" charset="-34"/>
+              </a:rPr>
+              <a:t>.</a:t>
+            </a:r>
+            <a:r>
+              <a:rPr lang="th-TH" sz="2400" dirty="0">
+                <a:latin typeface="TH SarabunPSK" panose="020B0500040200020003" pitchFamily="34" charset="-34"/>
+                <a:cs typeface="TH SarabunPSK" panose="020B0500040200020003" pitchFamily="34" charset="-34"/>
+              </a:rPr>
+              <a:t>ธนพงศ์ อินทระ สาขาวิชาสถิติ มหาวิทยาลัยขอนแก่น </a:t>
+            </a:r>
+          </a:p>
+        </p:txBody>
+      </p:sp>
     </p:spTree>
     <p:extLst>
       <p:ext uri="{BB962C8B-B14F-4D97-AF65-F5344CB8AC3E}">
@@ -6536,6 +6675,73 @@
           </a:p>
         </p:txBody>
       </p:sp>
+      <p:sp>
+        <p:nvSpPr>
+          <p:cNvPr id="12" name="TextBox 11">
+            <a:extLst>
+              <a:ext uri="{FF2B5EF4-FFF2-40B4-BE49-F238E27FC236}">
+                <a16:creationId xmlns:a16="http://schemas.microsoft.com/office/drawing/2014/main" id="{3AC21B82-B6EC-0F45-D037-6F074F1DAD4A}"/>
+              </a:ext>
+            </a:extLst>
+          </p:cNvPr>
+          <p:cNvSpPr txBox="1"/>
+          <p:nvPr/>
+        </p:nvSpPr>
+        <p:spPr>
+          <a:xfrm>
+            <a:off x="114677" y="6172611"/>
+            <a:ext cx="5532120" cy="461665"/>
+          </a:xfrm>
+          <a:prstGeom prst="rect">
+            <a:avLst/>
+          </a:prstGeom>
+          <a:noFill/>
+        </p:spPr>
+        <p:txBody>
+          <a:bodyPr wrap="square">
+            <a:spAutoFit/>
+          </a:bodyPr>
+          <a:lstStyle/>
+          <a:p>
+            <a:pPr algn="l"/>
+            <a:r>
+              <a:rPr lang="th-TH" sz="2400" dirty="0">
+                <a:latin typeface="TH SarabunPSK" panose="020B0500040200020003" pitchFamily="34" charset="-34"/>
+                <a:cs typeface="TH SarabunPSK" panose="020B0500040200020003" pitchFamily="34" charset="-34"/>
+              </a:rPr>
+              <a:t>โดย ผศ</a:t>
+            </a:r>
+            <a:r>
+              <a:rPr lang="en-US" sz="2400" dirty="0">
+                <a:latin typeface="TH SarabunPSK" panose="020B0500040200020003" pitchFamily="34" charset="-34"/>
+                <a:cs typeface="TH SarabunPSK" panose="020B0500040200020003" pitchFamily="34" charset="-34"/>
+              </a:rPr>
+              <a:t>. </a:t>
+            </a:r>
+            <a:r>
+              <a:rPr lang="th-TH" sz="2400" dirty="0">
+                <a:latin typeface="TH SarabunPSK" panose="020B0500040200020003" pitchFamily="34" charset="-34"/>
+                <a:cs typeface="TH SarabunPSK" panose="020B0500040200020003" pitchFamily="34" charset="-34"/>
+              </a:rPr>
+              <a:t>ดร</a:t>
+            </a:r>
+            <a:r>
+              <a:rPr lang="en-US" sz="2400" dirty="0">
+                <a:latin typeface="TH SarabunPSK" panose="020B0500040200020003" pitchFamily="34" charset="-34"/>
+                <a:cs typeface="TH SarabunPSK" panose="020B0500040200020003" pitchFamily="34" charset="-34"/>
+              </a:rPr>
+              <a:t>.</a:t>
+            </a:r>
+            <a:r>
+              <a:rPr lang="th-TH" sz="2400" dirty="0">
+                <a:latin typeface="TH SarabunPSK" panose="020B0500040200020003" pitchFamily="34" charset="-34"/>
+                <a:cs typeface="TH SarabunPSK" panose="020B0500040200020003" pitchFamily="34" charset="-34"/>
+              </a:rPr>
+              <a:t>ธนพงศ์ อินทระ สาขาวิชาสถิติ มหาวิทยาลัยขอนแก่น </a:t>
+            </a:r>
+          </a:p>
+        </p:txBody>
+      </p:sp>
     </p:spTree>
     <p:extLst>
       <p:ext uri="{BB962C8B-B14F-4D97-AF65-F5344CB8AC3E}">
@@ -7757,6 +7963,73 @@
           </a:prstGeom>
         </p:spPr>
       </p:pic>
+      <p:sp>
+        <p:nvSpPr>
+          <p:cNvPr id="10" name="TextBox 9">
+            <a:extLst>
+              <a:ext uri="{FF2B5EF4-FFF2-40B4-BE49-F238E27FC236}">
+                <a16:creationId xmlns:a16="http://schemas.microsoft.com/office/drawing/2014/main" id="{8C7E49F9-9C4B-7B8E-16C4-F62338619767}"/>
+              </a:ext>
+            </a:extLst>
+          </p:cNvPr>
+          <p:cNvSpPr txBox="1"/>
+          <p:nvPr/>
+        </p:nvSpPr>
+        <p:spPr>
+          <a:xfrm>
+            <a:off x="114677" y="6172611"/>
+            <a:ext cx="5532120" cy="461665"/>
+          </a:xfrm>
+          <a:prstGeom prst="rect">
+            <a:avLst/>
+          </a:prstGeom>
+          <a:noFill/>
+        </p:spPr>
+        <p:txBody>
+          <a:bodyPr wrap="square">
+            <a:spAutoFit/>
+          </a:bodyPr>
+          <a:lstStyle/>
+          <a:p>
+            <a:pPr algn="l"/>
+            <a:r>
+              <a:rPr lang="th-TH" sz="2400" dirty="0">
+                <a:latin typeface="TH SarabunPSK" panose="020B0500040200020003" pitchFamily="34" charset="-34"/>
+                <a:cs typeface="TH SarabunPSK" panose="020B0500040200020003" pitchFamily="34" charset="-34"/>
+              </a:rPr>
+              <a:t>โดย ผศ</a:t>
+            </a:r>
+            <a:r>
+              <a:rPr lang="en-US" sz="2400" dirty="0">
+                <a:latin typeface="TH SarabunPSK" panose="020B0500040200020003" pitchFamily="34" charset="-34"/>
+                <a:cs typeface="TH SarabunPSK" panose="020B0500040200020003" pitchFamily="34" charset="-34"/>
+              </a:rPr>
+              <a:t>. </a:t>
+            </a:r>
+            <a:r>
+              <a:rPr lang="th-TH" sz="2400" dirty="0">
+                <a:latin typeface="TH SarabunPSK" panose="020B0500040200020003" pitchFamily="34" charset="-34"/>
+                <a:cs typeface="TH SarabunPSK" panose="020B0500040200020003" pitchFamily="34" charset="-34"/>
+              </a:rPr>
+              <a:t>ดร</a:t>
+            </a:r>
+            <a:r>
+              <a:rPr lang="en-US" sz="2400" dirty="0">
+                <a:latin typeface="TH SarabunPSK" panose="020B0500040200020003" pitchFamily="34" charset="-34"/>
+                <a:cs typeface="TH SarabunPSK" panose="020B0500040200020003" pitchFamily="34" charset="-34"/>
+              </a:rPr>
+              <a:t>.</a:t>
+            </a:r>
+            <a:r>
+              <a:rPr lang="th-TH" sz="2400" dirty="0">
+                <a:latin typeface="TH SarabunPSK" panose="020B0500040200020003" pitchFamily="34" charset="-34"/>
+                <a:cs typeface="TH SarabunPSK" panose="020B0500040200020003" pitchFamily="34" charset="-34"/>
+              </a:rPr>
+              <a:t>ธนพงศ์ อินทระ สาขาวิชาสถิติ มหาวิทยาลัยขอนแก่น </a:t>
+            </a:r>
+          </a:p>
+        </p:txBody>
+      </p:sp>
     </p:spTree>
     <p:extLst>
       <p:ext uri="{BB962C8B-B14F-4D97-AF65-F5344CB8AC3E}">
@@ -8335,6 +8608,73 @@
           </a:prstGeom>
         </p:spPr>
       </p:pic>
+      <p:sp>
+        <p:nvSpPr>
+          <p:cNvPr id="11" name="TextBox 10">
+            <a:extLst>
+              <a:ext uri="{FF2B5EF4-FFF2-40B4-BE49-F238E27FC236}">
+                <a16:creationId xmlns:a16="http://schemas.microsoft.com/office/drawing/2014/main" id="{7205C0A9-F34E-5313-A5A2-8DBBBB6953C5}"/>
+              </a:ext>
+            </a:extLst>
+          </p:cNvPr>
+          <p:cNvSpPr txBox="1"/>
+          <p:nvPr/>
+        </p:nvSpPr>
+        <p:spPr>
+          <a:xfrm>
+            <a:off x="114677" y="6172611"/>
+            <a:ext cx="5532120" cy="461665"/>
+          </a:xfrm>
+          <a:prstGeom prst="rect">
+            <a:avLst/>
+          </a:prstGeom>
+          <a:noFill/>
+        </p:spPr>
+        <p:txBody>
+          <a:bodyPr wrap="square">
+            <a:spAutoFit/>
+          </a:bodyPr>
+          <a:lstStyle/>
+          <a:p>
+            <a:pPr algn="l"/>
+            <a:r>
+              <a:rPr lang="th-TH" sz="2400" dirty="0">
+                <a:latin typeface="TH SarabunPSK" panose="020B0500040200020003" pitchFamily="34" charset="-34"/>
+                <a:cs typeface="TH SarabunPSK" panose="020B0500040200020003" pitchFamily="34" charset="-34"/>
+              </a:rPr>
+              <a:t>โดย ผศ</a:t>
+            </a:r>
+            <a:r>
+              <a:rPr lang="en-US" sz="2400" dirty="0">
+                <a:latin typeface="TH SarabunPSK" panose="020B0500040200020003" pitchFamily="34" charset="-34"/>
+                <a:cs typeface="TH SarabunPSK" panose="020B0500040200020003" pitchFamily="34" charset="-34"/>
+              </a:rPr>
+              <a:t>. </a:t>
+            </a:r>
+            <a:r>
+              <a:rPr lang="th-TH" sz="2400" dirty="0">
+                <a:latin typeface="TH SarabunPSK" panose="020B0500040200020003" pitchFamily="34" charset="-34"/>
+                <a:cs typeface="TH SarabunPSK" panose="020B0500040200020003" pitchFamily="34" charset="-34"/>
+              </a:rPr>
+              <a:t>ดร</a:t>
+            </a:r>
+            <a:r>
+              <a:rPr lang="en-US" sz="2400" dirty="0">
+                <a:latin typeface="TH SarabunPSK" panose="020B0500040200020003" pitchFamily="34" charset="-34"/>
+                <a:cs typeface="TH SarabunPSK" panose="020B0500040200020003" pitchFamily="34" charset="-34"/>
+              </a:rPr>
+              <a:t>.</a:t>
+            </a:r>
+            <a:r>
+              <a:rPr lang="th-TH" sz="2400" dirty="0">
+                <a:latin typeface="TH SarabunPSK" panose="020B0500040200020003" pitchFamily="34" charset="-34"/>
+                <a:cs typeface="TH SarabunPSK" panose="020B0500040200020003" pitchFamily="34" charset="-34"/>
+              </a:rPr>
+              <a:t>ธนพงศ์ อินทระ สาขาวิชาสถิติ มหาวิทยาลัยขอนแก่น </a:t>
+            </a:r>
+          </a:p>
+        </p:txBody>
+      </p:sp>
     </p:spTree>
     <p:extLst>
       <p:ext uri="{BB962C8B-B14F-4D97-AF65-F5344CB8AC3E}">
@@ -9057,6 +9397,73 @@
           </a:prstGeom>
         </p:spPr>
       </p:pic>
+      <p:sp>
+        <p:nvSpPr>
+          <p:cNvPr id="10" name="TextBox 9">
+            <a:extLst>
+              <a:ext uri="{FF2B5EF4-FFF2-40B4-BE49-F238E27FC236}">
+                <a16:creationId xmlns:a16="http://schemas.microsoft.com/office/drawing/2014/main" id="{00C00770-109A-18D2-1728-9D5B88E7E4B6}"/>
+              </a:ext>
+            </a:extLst>
+          </p:cNvPr>
+          <p:cNvSpPr txBox="1"/>
+          <p:nvPr/>
+        </p:nvSpPr>
+        <p:spPr>
+          <a:xfrm>
+            <a:off x="114677" y="6172611"/>
+            <a:ext cx="5532120" cy="461665"/>
+          </a:xfrm>
+          <a:prstGeom prst="rect">
+            <a:avLst/>
+          </a:prstGeom>
+          <a:noFill/>
+        </p:spPr>
+        <p:txBody>
+          <a:bodyPr wrap="square">
+            <a:spAutoFit/>
+          </a:bodyPr>
+          <a:lstStyle/>
+          <a:p>
+            <a:pPr algn="l"/>
+            <a:r>
+              <a:rPr lang="th-TH" sz="2400" dirty="0">
+                <a:latin typeface="TH SarabunPSK" panose="020B0500040200020003" pitchFamily="34" charset="-34"/>
+                <a:cs typeface="TH SarabunPSK" panose="020B0500040200020003" pitchFamily="34" charset="-34"/>
+              </a:rPr>
+              <a:t>โดย ผศ</a:t>
+            </a:r>
+            <a:r>
+              <a:rPr lang="en-US" sz="2400" dirty="0">
+                <a:latin typeface="TH SarabunPSK" panose="020B0500040200020003" pitchFamily="34" charset="-34"/>
+                <a:cs typeface="TH SarabunPSK" panose="020B0500040200020003" pitchFamily="34" charset="-34"/>
+              </a:rPr>
+              <a:t>. </a:t>
+            </a:r>
+            <a:r>
+              <a:rPr lang="th-TH" sz="2400" dirty="0">
+                <a:latin typeface="TH SarabunPSK" panose="020B0500040200020003" pitchFamily="34" charset="-34"/>
+                <a:cs typeface="TH SarabunPSK" panose="020B0500040200020003" pitchFamily="34" charset="-34"/>
+              </a:rPr>
+              <a:t>ดร</a:t>
+            </a:r>
+            <a:r>
+              <a:rPr lang="en-US" sz="2400" dirty="0">
+                <a:latin typeface="TH SarabunPSK" panose="020B0500040200020003" pitchFamily="34" charset="-34"/>
+                <a:cs typeface="TH SarabunPSK" panose="020B0500040200020003" pitchFamily="34" charset="-34"/>
+              </a:rPr>
+              <a:t>.</a:t>
+            </a:r>
+            <a:r>
+              <a:rPr lang="th-TH" sz="2400" dirty="0">
+                <a:latin typeface="TH SarabunPSK" panose="020B0500040200020003" pitchFamily="34" charset="-34"/>
+                <a:cs typeface="TH SarabunPSK" panose="020B0500040200020003" pitchFamily="34" charset="-34"/>
+              </a:rPr>
+              <a:t>ธนพงศ์ อินทระ สาขาวิชาสถิติ มหาวิทยาลัยขอนแก่น </a:t>
+            </a:r>
+          </a:p>
+        </p:txBody>
+      </p:sp>
     </p:spTree>
     <p:extLst>
       <p:ext uri="{BB962C8B-B14F-4D97-AF65-F5344CB8AC3E}">
@@ -9819,6 +10226,73 @@
           </a:prstGeom>
         </p:spPr>
       </p:pic>
+      <p:sp>
+        <p:nvSpPr>
+          <p:cNvPr id="10" name="TextBox 9">
+            <a:extLst>
+              <a:ext uri="{FF2B5EF4-FFF2-40B4-BE49-F238E27FC236}">
+                <a16:creationId xmlns:a16="http://schemas.microsoft.com/office/drawing/2014/main" id="{FCD56ED2-F30B-39C4-5810-CF4BD008575E}"/>
+              </a:ext>
+            </a:extLst>
+          </p:cNvPr>
+          <p:cNvSpPr txBox="1"/>
+          <p:nvPr/>
+        </p:nvSpPr>
+        <p:spPr>
+          <a:xfrm>
+            <a:off x="114677" y="6172611"/>
+            <a:ext cx="5532120" cy="461665"/>
+          </a:xfrm>
+          <a:prstGeom prst="rect">
+            <a:avLst/>
+          </a:prstGeom>
+          <a:noFill/>
+        </p:spPr>
+        <p:txBody>
+          <a:bodyPr wrap="square">
+            <a:spAutoFit/>
+          </a:bodyPr>
+          <a:lstStyle/>
+          <a:p>
+            <a:pPr algn="l"/>
+            <a:r>
+              <a:rPr lang="th-TH" sz="2400" dirty="0">
+                <a:latin typeface="TH SarabunPSK" panose="020B0500040200020003" pitchFamily="34" charset="-34"/>
+                <a:cs typeface="TH SarabunPSK" panose="020B0500040200020003" pitchFamily="34" charset="-34"/>
+              </a:rPr>
+              <a:t>โดย ผศ</a:t>
+            </a:r>
+            <a:r>
+              <a:rPr lang="en-US" sz="2400" dirty="0">
+                <a:latin typeface="TH SarabunPSK" panose="020B0500040200020003" pitchFamily="34" charset="-34"/>
+                <a:cs typeface="TH SarabunPSK" panose="020B0500040200020003" pitchFamily="34" charset="-34"/>
+              </a:rPr>
+              <a:t>. </a:t>
+            </a:r>
+            <a:r>
+              <a:rPr lang="th-TH" sz="2400" dirty="0">
+                <a:latin typeface="TH SarabunPSK" panose="020B0500040200020003" pitchFamily="34" charset="-34"/>
+                <a:cs typeface="TH SarabunPSK" panose="020B0500040200020003" pitchFamily="34" charset="-34"/>
+              </a:rPr>
+              <a:t>ดร</a:t>
+            </a:r>
+            <a:r>
+              <a:rPr lang="en-US" sz="2400" dirty="0">
+                <a:latin typeface="TH SarabunPSK" panose="020B0500040200020003" pitchFamily="34" charset="-34"/>
+                <a:cs typeface="TH SarabunPSK" panose="020B0500040200020003" pitchFamily="34" charset="-34"/>
+              </a:rPr>
+              <a:t>.</a:t>
+            </a:r>
+            <a:r>
+              <a:rPr lang="th-TH" sz="2400" dirty="0">
+                <a:latin typeface="TH SarabunPSK" panose="020B0500040200020003" pitchFamily="34" charset="-34"/>
+                <a:cs typeface="TH SarabunPSK" panose="020B0500040200020003" pitchFamily="34" charset="-34"/>
+              </a:rPr>
+              <a:t>ธนพงศ์ อินทระ สาขาวิชาสถิติ มหาวิทยาลัยขอนแก่น </a:t>
+            </a:r>
+          </a:p>
+        </p:txBody>
+      </p:sp>
     </p:spTree>
     <p:extLst>
       <p:ext uri="{BB962C8B-B14F-4D97-AF65-F5344CB8AC3E}">
@@ -10554,6 +11028,73 @@
           </a:prstGeom>
         </p:spPr>
       </p:pic>
+      <p:sp>
+        <p:nvSpPr>
+          <p:cNvPr id="10" name="TextBox 9">
+            <a:extLst>
+              <a:ext uri="{FF2B5EF4-FFF2-40B4-BE49-F238E27FC236}">
+                <a16:creationId xmlns:a16="http://schemas.microsoft.com/office/drawing/2014/main" id="{348DEEB8-55A2-0DAA-28B5-A7FABAEB0EF6}"/>
+              </a:ext>
+            </a:extLst>
+          </p:cNvPr>
+          <p:cNvSpPr txBox="1"/>
+          <p:nvPr/>
+        </p:nvSpPr>
+        <p:spPr>
+          <a:xfrm>
+            <a:off x="114677" y="6172611"/>
+            <a:ext cx="5532120" cy="461665"/>
+          </a:xfrm>
+          <a:prstGeom prst="rect">
+            <a:avLst/>
+          </a:prstGeom>
+          <a:noFill/>
+        </p:spPr>
+        <p:txBody>
+          <a:bodyPr wrap="square">
+            <a:spAutoFit/>
+          </a:bodyPr>
+          <a:lstStyle/>
+          <a:p>
+            <a:pPr algn="l"/>
+            <a:r>
+              <a:rPr lang="th-TH" sz="2400" dirty="0">
+                <a:latin typeface="TH SarabunPSK" panose="020B0500040200020003" pitchFamily="34" charset="-34"/>
+                <a:cs typeface="TH SarabunPSK" panose="020B0500040200020003" pitchFamily="34" charset="-34"/>
+              </a:rPr>
+              <a:t>โดย ผศ</a:t>
+            </a:r>
+            <a:r>
+              <a:rPr lang="en-US" sz="2400" dirty="0">
+                <a:latin typeface="TH SarabunPSK" panose="020B0500040200020003" pitchFamily="34" charset="-34"/>
+                <a:cs typeface="TH SarabunPSK" panose="020B0500040200020003" pitchFamily="34" charset="-34"/>
+              </a:rPr>
+              <a:t>. </a:t>
+            </a:r>
+            <a:r>
+              <a:rPr lang="th-TH" sz="2400" dirty="0">
+                <a:latin typeface="TH SarabunPSK" panose="020B0500040200020003" pitchFamily="34" charset="-34"/>
+                <a:cs typeface="TH SarabunPSK" panose="020B0500040200020003" pitchFamily="34" charset="-34"/>
+              </a:rPr>
+              <a:t>ดร</a:t>
+            </a:r>
+            <a:r>
+              <a:rPr lang="en-US" sz="2400" dirty="0">
+                <a:latin typeface="TH SarabunPSK" panose="020B0500040200020003" pitchFamily="34" charset="-34"/>
+                <a:cs typeface="TH SarabunPSK" panose="020B0500040200020003" pitchFamily="34" charset="-34"/>
+              </a:rPr>
+              <a:t>.</a:t>
+            </a:r>
+            <a:r>
+              <a:rPr lang="th-TH" sz="2400" dirty="0">
+                <a:latin typeface="TH SarabunPSK" panose="020B0500040200020003" pitchFamily="34" charset="-34"/>
+                <a:cs typeface="TH SarabunPSK" panose="020B0500040200020003" pitchFamily="34" charset="-34"/>
+              </a:rPr>
+              <a:t>ธนพงศ์ อินทระ สาขาวิชาสถิติ มหาวิทยาลัยขอนแก่น </a:t>
+            </a:r>
+          </a:p>
+        </p:txBody>
+      </p:sp>
     </p:spTree>
     <p:extLst>
       <p:ext uri="{BB962C8B-B14F-4D97-AF65-F5344CB8AC3E}">
@@ -11257,6 +11798,73 @@
           </a:extLst>
         </p:spPr>
       </p:pic>
+      <p:sp>
+        <p:nvSpPr>
+          <p:cNvPr id="10" name="TextBox 9">
+            <a:extLst>
+              <a:ext uri="{FF2B5EF4-FFF2-40B4-BE49-F238E27FC236}">
+                <a16:creationId xmlns:a16="http://schemas.microsoft.com/office/drawing/2014/main" id="{C65895CD-3564-3BF1-99E9-84C3BE34B93E}"/>
+              </a:ext>
+            </a:extLst>
+          </p:cNvPr>
+          <p:cNvSpPr txBox="1"/>
+          <p:nvPr/>
+        </p:nvSpPr>
+        <p:spPr>
+          <a:xfrm>
+            <a:off x="114677" y="6172611"/>
+            <a:ext cx="5532120" cy="461665"/>
+          </a:xfrm>
+          <a:prstGeom prst="rect">
+            <a:avLst/>
+          </a:prstGeom>
+          <a:noFill/>
+        </p:spPr>
+        <p:txBody>
+          <a:bodyPr wrap="square">
+            <a:spAutoFit/>
+          </a:bodyPr>
+          <a:lstStyle/>
+          <a:p>
+            <a:pPr algn="l"/>
+            <a:r>
+              <a:rPr lang="th-TH" sz="2400" dirty="0">
+                <a:latin typeface="TH SarabunPSK" panose="020B0500040200020003" pitchFamily="34" charset="-34"/>
+                <a:cs typeface="TH SarabunPSK" panose="020B0500040200020003" pitchFamily="34" charset="-34"/>
+              </a:rPr>
+              <a:t>โดย ผศ</a:t>
+            </a:r>
+            <a:r>
+              <a:rPr lang="en-US" sz="2400" dirty="0">
+                <a:latin typeface="TH SarabunPSK" panose="020B0500040200020003" pitchFamily="34" charset="-34"/>
+                <a:cs typeface="TH SarabunPSK" panose="020B0500040200020003" pitchFamily="34" charset="-34"/>
+              </a:rPr>
+              <a:t>. </a:t>
+            </a:r>
+            <a:r>
+              <a:rPr lang="th-TH" sz="2400" dirty="0">
+                <a:latin typeface="TH SarabunPSK" panose="020B0500040200020003" pitchFamily="34" charset="-34"/>
+                <a:cs typeface="TH SarabunPSK" panose="020B0500040200020003" pitchFamily="34" charset="-34"/>
+              </a:rPr>
+              <a:t>ดร</a:t>
+            </a:r>
+            <a:r>
+              <a:rPr lang="en-US" sz="2400" dirty="0">
+                <a:latin typeface="TH SarabunPSK" panose="020B0500040200020003" pitchFamily="34" charset="-34"/>
+                <a:cs typeface="TH SarabunPSK" panose="020B0500040200020003" pitchFamily="34" charset="-34"/>
+              </a:rPr>
+              <a:t>.</a:t>
+            </a:r>
+            <a:r>
+              <a:rPr lang="th-TH" sz="2400" dirty="0">
+                <a:latin typeface="TH SarabunPSK" panose="020B0500040200020003" pitchFamily="34" charset="-34"/>
+                <a:cs typeface="TH SarabunPSK" panose="020B0500040200020003" pitchFamily="34" charset="-34"/>
+              </a:rPr>
+              <a:t>ธนพงศ์ อินทระ สาขาวิชาสถิติ มหาวิทยาลัยขอนแก่น </a:t>
+            </a:r>
+          </a:p>
+        </p:txBody>
+      </p:sp>
     </p:spTree>
     <p:extLst>
       <p:ext uri="{BB962C8B-B14F-4D97-AF65-F5344CB8AC3E}">
@@ -12304,6 +12912,73 @@
           </a:p>
         </p:txBody>
       </p:sp>
+      <p:sp>
+        <p:nvSpPr>
+          <p:cNvPr id="12" name="TextBox 11">
+            <a:extLst>
+              <a:ext uri="{FF2B5EF4-FFF2-40B4-BE49-F238E27FC236}">
+                <a16:creationId xmlns:a16="http://schemas.microsoft.com/office/drawing/2014/main" id="{DA25B4A1-36B9-6D62-2C3B-6EDD6F6D0846}"/>
+              </a:ext>
+            </a:extLst>
+          </p:cNvPr>
+          <p:cNvSpPr txBox="1"/>
+          <p:nvPr/>
+        </p:nvSpPr>
+        <p:spPr>
+          <a:xfrm>
+            <a:off x="114677" y="6172611"/>
+            <a:ext cx="5532120" cy="461665"/>
+          </a:xfrm>
+          <a:prstGeom prst="rect">
+            <a:avLst/>
+          </a:prstGeom>
+          <a:noFill/>
+        </p:spPr>
+        <p:txBody>
+          <a:bodyPr wrap="square">
+            <a:spAutoFit/>
+          </a:bodyPr>
+          <a:lstStyle/>
+          <a:p>
+            <a:pPr algn="l"/>
+            <a:r>
+              <a:rPr lang="th-TH" sz="2400" dirty="0">
+                <a:latin typeface="TH SarabunPSK" panose="020B0500040200020003" pitchFamily="34" charset="-34"/>
+                <a:cs typeface="TH SarabunPSK" panose="020B0500040200020003" pitchFamily="34" charset="-34"/>
+              </a:rPr>
+              <a:t>โดย ผศ</a:t>
+            </a:r>
+            <a:r>
+              <a:rPr lang="en-US" sz="2400" dirty="0">
+                <a:latin typeface="TH SarabunPSK" panose="020B0500040200020003" pitchFamily="34" charset="-34"/>
+                <a:cs typeface="TH SarabunPSK" panose="020B0500040200020003" pitchFamily="34" charset="-34"/>
+              </a:rPr>
+              <a:t>. </a:t>
+            </a:r>
+            <a:r>
+              <a:rPr lang="th-TH" sz="2400" dirty="0">
+                <a:latin typeface="TH SarabunPSK" panose="020B0500040200020003" pitchFamily="34" charset="-34"/>
+                <a:cs typeface="TH SarabunPSK" panose="020B0500040200020003" pitchFamily="34" charset="-34"/>
+              </a:rPr>
+              <a:t>ดร</a:t>
+            </a:r>
+            <a:r>
+              <a:rPr lang="en-US" sz="2400" dirty="0">
+                <a:latin typeface="TH SarabunPSK" panose="020B0500040200020003" pitchFamily="34" charset="-34"/>
+                <a:cs typeface="TH SarabunPSK" panose="020B0500040200020003" pitchFamily="34" charset="-34"/>
+              </a:rPr>
+              <a:t>.</a:t>
+            </a:r>
+            <a:r>
+              <a:rPr lang="th-TH" sz="2400" dirty="0">
+                <a:latin typeface="TH SarabunPSK" panose="020B0500040200020003" pitchFamily="34" charset="-34"/>
+                <a:cs typeface="TH SarabunPSK" panose="020B0500040200020003" pitchFamily="34" charset="-34"/>
+              </a:rPr>
+              <a:t>ธนพงศ์ อินทระ สาขาวิชาสถิติ มหาวิทยาลัยขอนแก่น </a:t>
+            </a:r>
+          </a:p>
+        </p:txBody>
+      </p:sp>
     </p:spTree>
     <p:extLst>
       <p:ext uri="{BB962C8B-B14F-4D97-AF65-F5344CB8AC3E}">
@@ -12955,6 +13630,73 @@
           </a:prstGeom>
         </p:spPr>
       </p:pic>
+      <p:sp>
+        <p:nvSpPr>
+          <p:cNvPr id="11" name="TextBox 10">
+            <a:extLst>
+              <a:ext uri="{FF2B5EF4-FFF2-40B4-BE49-F238E27FC236}">
+                <a16:creationId xmlns:a16="http://schemas.microsoft.com/office/drawing/2014/main" id="{B51347B4-98F8-BDDD-6812-73EE353A36D7}"/>
+              </a:ext>
+            </a:extLst>
+          </p:cNvPr>
+          <p:cNvSpPr txBox="1"/>
+          <p:nvPr/>
+        </p:nvSpPr>
+        <p:spPr>
+          <a:xfrm>
+            <a:off x="114677" y="6172611"/>
+            <a:ext cx="5532120" cy="461665"/>
+          </a:xfrm>
+          <a:prstGeom prst="rect">
+            <a:avLst/>
+          </a:prstGeom>
+          <a:noFill/>
+        </p:spPr>
+        <p:txBody>
+          <a:bodyPr wrap="square">
+            <a:spAutoFit/>
+          </a:bodyPr>
+          <a:lstStyle/>
+          <a:p>
+            <a:pPr algn="l"/>
+            <a:r>
+              <a:rPr lang="th-TH" sz="2400" dirty="0">
+                <a:latin typeface="TH SarabunPSK" panose="020B0500040200020003" pitchFamily="34" charset="-34"/>
+                <a:cs typeface="TH SarabunPSK" panose="020B0500040200020003" pitchFamily="34" charset="-34"/>
+              </a:rPr>
+              <a:t>โดย ผศ</a:t>
+            </a:r>
+            <a:r>
+              <a:rPr lang="en-US" sz="2400" dirty="0">
+                <a:latin typeface="TH SarabunPSK" panose="020B0500040200020003" pitchFamily="34" charset="-34"/>
+                <a:cs typeface="TH SarabunPSK" panose="020B0500040200020003" pitchFamily="34" charset="-34"/>
+              </a:rPr>
+              <a:t>. </a:t>
+            </a:r>
+            <a:r>
+              <a:rPr lang="th-TH" sz="2400" dirty="0">
+                <a:latin typeface="TH SarabunPSK" panose="020B0500040200020003" pitchFamily="34" charset="-34"/>
+                <a:cs typeface="TH SarabunPSK" panose="020B0500040200020003" pitchFamily="34" charset="-34"/>
+              </a:rPr>
+              <a:t>ดร</a:t>
+            </a:r>
+            <a:r>
+              <a:rPr lang="en-US" sz="2400" dirty="0">
+                <a:latin typeface="TH SarabunPSK" panose="020B0500040200020003" pitchFamily="34" charset="-34"/>
+                <a:cs typeface="TH SarabunPSK" panose="020B0500040200020003" pitchFamily="34" charset="-34"/>
+              </a:rPr>
+              <a:t>.</a:t>
+            </a:r>
+            <a:r>
+              <a:rPr lang="th-TH" sz="2400" dirty="0">
+                <a:latin typeface="TH SarabunPSK" panose="020B0500040200020003" pitchFamily="34" charset="-34"/>
+                <a:cs typeface="TH SarabunPSK" panose="020B0500040200020003" pitchFamily="34" charset="-34"/>
+              </a:rPr>
+              <a:t>ธนพงศ์ อินทระ สาขาวิชาสถิติ มหาวิทยาลัยขอนแก่น </a:t>
+            </a:r>
+          </a:p>
+        </p:txBody>
+      </p:sp>
     </p:spTree>
     <p:extLst>
       <p:ext uri="{BB962C8B-B14F-4D97-AF65-F5344CB8AC3E}">
@@ -13818,6 +14560,73 @@
           </a:p>
         </p:txBody>
       </p:sp>
+      <p:sp>
+        <p:nvSpPr>
+          <p:cNvPr id="9" name="TextBox 8">
+            <a:extLst>
+              <a:ext uri="{FF2B5EF4-FFF2-40B4-BE49-F238E27FC236}">
+                <a16:creationId xmlns:a16="http://schemas.microsoft.com/office/drawing/2014/main" id="{425E8F58-7B7C-EDAF-360A-4FD4616B7B61}"/>
+              </a:ext>
+            </a:extLst>
+          </p:cNvPr>
+          <p:cNvSpPr txBox="1"/>
+          <p:nvPr/>
+        </p:nvSpPr>
+        <p:spPr>
+          <a:xfrm>
+            <a:off x="114677" y="6172611"/>
+            <a:ext cx="5532120" cy="461665"/>
+          </a:xfrm>
+          <a:prstGeom prst="rect">
+            <a:avLst/>
+          </a:prstGeom>
+          <a:noFill/>
+        </p:spPr>
+        <p:txBody>
+          <a:bodyPr wrap="square">
+            <a:spAutoFit/>
+          </a:bodyPr>
+          <a:lstStyle/>
+          <a:p>
+            <a:pPr algn="l"/>
+            <a:r>
+              <a:rPr lang="th-TH" sz="2400" dirty="0">
+                <a:latin typeface="TH SarabunPSK" panose="020B0500040200020003" pitchFamily="34" charset="-34"/>
+                <a:cs typeface="TH SarabunPSK" panose="020B0500040200020003" pitchFamily="34" charset="-34"/>
+              </a:rPr>
+              <a:t>โดย ผศ</a:t>
+            </a:r>
+            <a:r>
+              <a:rPr lang="en-US" sz="2400" dirty="0">
+                <a:latin typeface="TH SarabunPSK" panose="020B0500040200020003" pitchFamily="34" charset="-34"/>
+                <a:cs typeface="TH SarabunPSK" panose="020B0500040200020003" pitchFamily="34" charset="-34"/>
+              </a:rPr>
+              <a:t>. </a:t>
+            </a:r>
+            <a:r>
+              <a:rPr lang="th-TH" sz="2400" dirty="0">
+                <a:latin typeface="TH SarabunPSK" panose="020B0500040200020003" pitchFamily="34" charset="-34"/>
+                <a:cs typeface="TH SarabunPSK" panose="020B0500040200020003" pitchFamily="34" charset="-34"/>
+              </a:rPr>
+              <a:t>ดร</a:t>
+            </a:r>
+            <a:r>
+              <a:rPr lang="en-US" sz="2400" dirty="0">
+                <a:latin typeface="TH SarabunPSK" panose="020B0500040200020003" pitchFamily="34" charset="-34"/>
+                <a:cs typeface="TH SarabunPSK" panose="020B0500040200020003" pitchFamily="34" charset="-34"/>
+              </a:rPr>
+              <a:t>.</a:t>
+            </a:r>
+            <a:r>
+              <a:rPr lang="th-TH" sz="2400" dirty="0">
+                <a:latin typeface="TH SarabunPSK" panose="020B0500040200020003" pitchFamily="34" charset="-34"/>
+                <a:cs typeface="TH SarabunPSK" panose="020B0500040200020003" pitchFamily="34" charset="-34"/>
+              </a:rPr>
+              <a:t>ธนพงศ์ อินทระ สาขาวิชาสถิติ มหาวิทยาลัยขอนแก่น </a:t>
+            </a:r>
+          </a:p>
+        </p:txBody>
+      </p:sp>
     </p:spTree>
     <p:extLst>
       <p:ext uri="{BB962C8B-B14F-4D97-AF65-F5344CB8AC3E}">
@@ -14692,6 +15501,73 @@
           </a:p>
         </p:txBody>
       </p:sp>
+      <p:sp>
+        <p:nvSpPr>
+          <p:cNvPr id="9" name="TextBox 8">
+            <a:extLst>
+              <a:ext uri="{FF2B5EF4-FFF2-40B4-BE49-F238E27FC236}">
+                <a16:creationId xmlns:a16="http://schemas.microsoft.com/office/drawing/2014/main" id="{61B49218-0787-B6AB-BF92-C3230A643574}"/>
+              </a:ext>
+            </a:extLst>
+          </p:cNvPr>
+          <p:cNvSpPr txBox="1"/>
+          <p:nvPr/>
+        </p:nvSpPr>
+        <p:spPr>
+          <a:xfrm>
+            <a:off x="114677" y="6172611"/>
+            <a:ext cx="5532120" cy="461665"/>
+          </a:xfrm>
+          <a:prstGeom prst="rect">
+            <a:avLst/>
+          </a:prstGeom>
+          <a:noFill/>
+        </p:spPr>
+        <p:txBody>
+          <a:bodyPr wrap="square">
+            <a:spAutoFit/>
+          </a:bodyPr>
+          <a:lstStyle/>
+          <a:p>
+            <a:pPr algn="l"/>
+            <a:r>
+              <a:rPr lang="th-TH" sz="2400" dirty="0">
+                <a:latin typeface="TH SarabunPSK" panose="020B0500040200020003" pitchFamily="34" charset="-34"/>
+                <a:cs typeface="TH SarabunPSK" panose="020B0500040200020003" pitchFamily="34" charset="-34"/>
+              </a:rPr>
+              <a:t>โดย ผศ</a:t>
+            </a:r>
+            <a:r>
+              <a:rPr lang="en-US" sz="2400" dirty="0">
+                <a:latin typeface="TH SarabunPSK" panose="020B0500040200020003" pitchFamily="34" charset="-34"/>
+                <a:cs typeface="TH SarabunPSK" panose="020B0500040200020003" pitchFamily="34" charset="-34"/>
+              </a:rPr>
+              <a:t>. </a:t>
+            </a:r>
+            <a:r>
+              <a:rPr lang="th-TH" sz="2400" dirty="0">
+                <a:latin typeface="TH SarabunPSK" panose="020B0500040200020003" pitchFamily="34" charset="-34"/>
+                <a:cs typeface="TH SarabunPSK" panose="020B0500040200020003" pitchFamily="34" charset="-34"/>
+              </a:rPr>
+              <a:t>ดร</a:t>
+            </a:r>
+            <a:r>
+              <a:rPr lang="en-US" sz="2400" dirty="0">
+                <a:latin typeface="TH SarabunPSK" panose="020B0500040200020003" pitchFamily="34" charset="-34"/>
+                <a:cs typeface="TH SarabunPSK" panose="020B0500040200020003" pitchFamily="34" charset="-34"/>
+              </a:rPr>
+              <a:t>.</a:t>
+            </a:r>
+            <a:r>
+              <a:rPr lang="th-TH" sz="2400" dirty="0">
+                <a:latin typeface="TH SarabunPSK" panose="020B0500040200020003" pitchFamily="34" charset="-34"/>
+                <a:cs typeface="TH SarabunPSK" panose="020B0500040200020003" pitchFamily="34" charset="-34"/>
+              </a:rPr>
+              <a:t>ธนพงศ์ อินทระ สาขาวิชาสถิติ มหาวิทยาลัยขอนแก่น </a:t>
+            </a:r>
+          </a:p>
+        </p:txBody>
+      </p:sp>
     </p:spTree>
     <p:extLst>
       <p:ext uri="{BB962C8B-B14F-4D97-AF65-F5344CB8AC3E}">
@@ -15355,6 +16231,73 @@
           </a:prstGeom>
         </p:spPr>
       </p:pic>
+      <p:sp>
+        <p:nvSpPr>
+          <p:cNvPr id="10" name="TextBox 9">
+            <a:extLst>
+              <a:ext uri="{FF2B5EF4-FFF2-40B4-BE49-F238E27FC236}">
+                <a16:creationId xmlns:a16="http://schemas.microsoft.com/office/drawing/2014/main" id="{5F45AC00-C9A9-DE7B-2FE8-FB2011D30069}"/>
+              </a:ext>
+            </a:extLst>
+          </p:cNvPr>
+          <p:cNvSpPr txBox="1"/>
+          <p:nvPr/>
+        </p:nvSpPr>
+        <p:spPr>
+          <a:xfrm>
+            <a:off x="114677" y="6172611"/>
+            <a:ext cx="5532120" cy="461665"/>
+          </a:xfrm>
+          <a:prstGeom prst="rect">
+            <a:avLst/>
+          </a:prstGeom>
+          <a:noFill/>
+        </p:spPr>
+        <p:txBody>
+          <a:bodyPr wrap="square">
+            <a:spAutoFit/>
+          </a:bodyPr>
+          <a:lstStyle/>
+          <a:p>
+            <a:pPr algn="l"/>
+            <a:r>
+              <a:rPr lang="th-TH" sz="2400" dirty="0">
+                <a:latin typeface="TH SarabunPSK" panose="020B0500040200020003" pitchFamily="34" charset="-34"/>
+                <a:cs typeface="TH SarabunPSK" panose="020B0500040200020003" pitchFamily="34" charset="-34"/>
+              </a:rPr>
+              <a:t>โดย ผศ</a:t>
+            </a:r>
+            <a:r>
+              <a:rPr lang="en-US" sz="2400" dirty="0">
+                <a:latin typeface="TH SarabunPSK" panose="020B0500040200020003" pitchFamily="34" charset="-34"/>
+                <a:cs typeface="TH SarabunPSK" panose="020B0500040200020003" pitchFamily="34" charset="-34"/>
+              </a:rPr>
+              <a:t>. </a:t>
+            </a:r>
+            <a:r>
+              <a:rPr lang="th-TH" sz="2400" dirty="0">
+                <a:latin typeface="TH SarabunPSK" panose="020B0500040200020003" pitchFamily="34" charset="-34"/>
+                <a:cs typeface="TH SarabunPSK" panose="020B0500040200020003" pitchFamily="34" charset="-34"/>
+              </a:rPr>
+              <a:t>ดร</a:t>
+            </a:r>
+            <a:r>
+              <a:rPr lang="en-US" sz="2400" dirty="0">
+                <a:latin typeface="TH SarabunPSK" panose="020B0500040200020003" pitchFamily="34" charset="-34"/>
+                <a:cs typeface="TH SarabunPSK" panose="020B0500040200020003" pitchFamily="34" charset="-34"/>
+              </a:rPr>
+              <a:t>.</a:t>
+            </a:r>
+            <a:r>
+              <a:rPr lang="th-TH" sz="2400" dirty="0">
+                <a:latin typeface="TH SarabunPSK" panose="020B0500040200020003" pitchFamily="34" charset="-34"/>
+                <a:cs typeface="TH SarabunPSK" panose="020B0500040200020003" pitchFamily="34" charset="-34"/>
+              </a:rPr>
+              <a:t>ธนพงศ์ อินทระ สาขาวิชาสถิติ มหาวิทยาลัยขอนแก่น </a:t>
+            </a:r>
+          </a:p>
+        </p:txBody>
+      </p:sp>
     </p:spTree>
     <p:extLst>
       <p:ext uri="{BB962C8B-B14F-4D97-AF65-F5344CB8AC3E}">
